--- a/document/FlowChart.pptx
+++ b/document/FlowChart.pptx
@@ -5,8 +5,7 @@
     <p:sldMasterId id="2147483648" r:id="rId1"/>
   </p:sldMasterIdLst>
   <p:sldIdLst>
-    <p:sldId id="257" r:id="rId2"/>
-    <p:sldId id="258" r:id="rId3"/>
+    <p:sldId id="259" r:id="rId2"/>
   </p:sldIdLst>
   <p:sldSz cx="12192000" cy="6858000"/>
   <p:notesSz cx="6858000" cy="9144000"/>
@@ -260,7 +259,7 @@
           <a:p>
             <a:fld id="{C8714DDB-380A-4AD9-9273-AE1E2CA6A5A1}" type="datetimeFigureOut">
               <a:rPr lang="ko-KR" altLang="en-US" smtClean="0"/>
-              <a:t>2024-06-01</a:t>
+              <a:t>2024-06-12</a:t>
             </a:fld>
             <a:endParaRPr lang="ko-KR" altLang="en-US"/>
           </a:p>
@@ -458,7 +457,7 @@
           <a:p>
             <a:fld id="{C8714DDB-380A-4AD9-9273-AE1E2CA6A5A1}" type="datetimeFigureOut">
               <a:rPr lang="ko-KR" altLang="en-US" smtClean="0"/>
-              <a:t>2024-06-01</a:t>
+              <a:t>2024-06-12</a:t>
             </a:fld>
             <a:endParaRPr lang="ko-KR" altLang="en-US"/>
           </a:p>
@@ -666,7 +665,7 @@
           <a:p>
             <a:fld id="{C8714DDB-380A-4AD9-9273-AE1E2CA6A5A1}" type="datetimeFigureOut">
               <a:rPr lang="ko-KR" altLang="en-US" smtClean="0"/>
-              <a:t>2024-06-01</a:t>
+              <a:t>2024-06-12</a:t>
             </a:fld>
             <a:endParaRPr lang="ko-KR" altLang="en-US"/>
           </a:p>
@@ -864,7 +863,7 @@
           <a:p>
             <a:fld id="{C8714DDB-380A-4AD9-9273-AE1E2CA6A5A1}" type="datetimeFigureOut">
               <a:rPr lang="ko-KR" altLang="en-US" smtClean="0"/>
-              <a:t>2024-06-01</a:t>
+              <a:t>2024-06-12</a:t>
             </a:fld>
             <a:endParaRPr lang="ko-KR" altLang="en-US"/>
           </a:p>
@@ -1139,7 +1138,7 @@
           <a:p>
             <a:fld id="{C8714DDB-380A-4AD9-9273-AE1E2CA6A5A1}" type="datetimeFigureOut">
               <a:rPr lang="ko-KR" altLang="en-US" smtClean="0"/>
-              <a:t>2024-06-01</a:t>
+              <a:t>2024-06-12</a:t>
             </a:fld>
             <a:endParaRPr lang="ko-KR" altLang="en-US"/>
           </a:p>
@@ -1404,7 +1403,7 @@
           <a:p>
             <a:fld id="{C8714DDB-380A-4AD9-9273-AE1E2CA6A5A1}" type="datetimeFigureOut">
               <a:rPr lang="ko-KR" altLang="en-US" smtClean="0"/>
-              <a:t>2024-06-01</a:t>
+              <a:t>2024-06-12</a:t>
             </a:fld>
             <a:endParaRPr lang="ko-KR" altLang="en-US"/>
           </a:p>
@@ -1816,7 +1815,7 @@
           <a:p>
             <a:fld id="{C8714DDB-380A-4AD9-9273-AE1E2CA6A5A1}" type="datetimeFigureOut">
               <a:rPr lang="ko-KR" altLang="en-US" smtClean="0"/>
-              <a:t>2024-06-01</a:t>
+              <a:t>2024-06-12</a:t>
             </a:fld>
             <a:endParaRPr lang="ko-KR" altLang="en-US"/>
           </a:p>
@@ -1957,7 +1956,7 @@
           <a:p>
             <a:fld id="{C8714DDB-380A-4AD9-9273-AE1E2CA6A5A1}" type="datetimeFigureOut">
               <a:rPr lang="ko-KR" altLang="en-US" smtClean="0"/>
-              <a:t>2024-06-01</a:t>
+              <a:t>2024-06-12</a:t>
             </a:fld>
             <a:endParaRPr lang="ko-KR" altLang="en-US"/>
           </a:p>
@@ -2070,7 +2069,7 @@
           <a:p>
             <a:fld id="{C8714DDB-380A-4AD9-9273-AE1E2CA6A5A1}" type="datetimeFigureOut">
               <a:rPr lang="ko-KR" altLang="en-US" smtClean="0"/>
-              <a:t>2024-06-01</a:t>
+              <a:t>2024-06-12</a:t>
             </a:fld>
             <a:endParaRPr lang="ko-KR" altLang="en-US"/>
           </a:p>
@@ -2381,7 +2380,7 @@
           <a:p>
             <a:fld id="{C8714DDB-380A-4AD9-9273-AE1E2CA6A5A1}" type="datetimeFigureOut">
               <a:rPr lang="ko-KR" altLang="en-US" smtClean="0"/>
-              <a:t>2024-06-01</a:t>
+              <a:t>2024-06-12</a:t>
             </a:fld>
             <a:endParaRPr lang="ko-KR" altLang="en-US"/>
           </a:p>
@@ -2669,7 +2668,7 @@
           <a:p>
             <a:fld id="{C8714DDB-380A-4AD9-9273-AE1E2CA6A5A1}" type="datetimeFigureOut">
               <a:rPr lang="ko-KR" altLang="en-US" smtClean="0"/>
-              <a:t>2024-06-01</a:t>
+              <a:t>2024-06-12</a:t>
             </a:fld>
             <a:endParaRPr lang="ko-KR" altLang="en-US"/>
           </a:p>
@@ -2910,7 +2909,7 @@
           <a:p>
             <a:fld id="{C8714DDB-380A-4AD9-9273-AE1E2CA6A5A1}" type="datetimeFigureOut">
               <a:rPr lang="ko-KR" altLang="en-US" smtClean="0"/>
-              <a:t>2024-06-01</a:t>
+              <a:t>2024-06-12</a:t>
             </a:fld>
             <a:endParaRPr lang="ko-KR" altLang="en-US"/>
           </a:p>
@@ -3329,10 +3328,10 @@
       </p:grpSpPr>
       <p:sp>
         <p:nvSpPr>
-          <p:cNvPr id="4" name="직사각형 3">
-            <a:extLst>
-              <a:ext uri="{FF2B5EF4-FFF2-40B4-BE49-F238E27FC236}">
-                <a16:creationId xmlns:a16="http://schemas.microsoft.com/office/drawing/2014/main" id="{8D467D06-55A5-9C40-1A79-3D5C234B1EB0}"/>
+          <p:cNvPr id="2" name="직사각형 1">
+            <a:extLst>
+              <a:ext uri="{FF2B5EF4-FFF2-40B4-BE49-F238E27FC236}">
+                <a16:creationId xmlns:a16="http://schemas.microsoft.com/office/drawing/2014/main" id="{4B85CC9D-AAF2-9FB2-BC4E-D4E47B3B025F}"/>
               </a:ext>
             </a:extLst>
           </p:cNvPr>
@@ -3341,14 +3340,16 @@
         </p:nvSpPr>
         <p:spPr>
           <a:xfrm>
-            <a:off x="0" y="0"/>
-            <a:ext cx="2212258" cy="830015"/>
+            <a:off x="323425" y="308469"/>
+            <a:ext cx="4969160" cy="2469144"/>
           </a:xfrm>
           <a:prstGeom prst="rect">
             <a:avLst/>
           </a:prstGeom>
           <a:solidFill>
-            <a:schemeClr val="bg1"/>
+            <a:schemeClr val="bg1">
+              <a:lumMod val="95000"/>
+            </a:schemeClr>
           </a:solidFill>
         </p:spPr>
         <p:style>
@@ -3368,12 +3369,12 @@
           </a:fontRef>
         </p:style>
         <p:txBody>
-          <a:bodyPr rtlCol="0" anchor="ctr"/>
+          <a:bodyPr rtlCol="0" anchor="t"/>
           <a:lstStyle/>
           <a:p>
             <a:pPr algn="ctr"/>
             <a:r>
-              <a:rPr lang="ko-KR" altLang="en-US" dirty="0">
+              <a:rPr lang="ko-KR" altLang="en-US" b="1" dirty="0">
                 <a:solidFill>
                   <a:schemeClr val="tx1"/>
                 </a:solidFill>
@@ -3385,10 +3386,10 @@
       </p:sp>
       <p:sp>
         <p:nvSpPr>
-          <p:cNvPr id="5" name="직사각형 4">
-            <a:extLst>
-              <a:ext uri="{FF2B5EF4-FFF2-40B4-BE49-F238E27FC236}">
-                <a16:creationId xmlns:a16="http://schemas.microsoft.com/office/drawing/2014/main" id="{7ACE81F8-EB9F-5F7A-0A2E-F87CA2E0C94D}"/>
+          <p:cNvPr id="13" name="직사각형 12">
+            <a:extLst>
+              <a:ext uri="{FF2B5EF4-FFF2-40B4-BE49-F238E27FC236}">
+                <a16:creationId xmlns:a16="http://schemas.microsoft.com/office/drawing/2014/main" id="{B2610AE4-FD16-C76A-905E-02324F618B42}"/>
               </a:ext>
             </a:extLst>
           </p:cNvPr>
@@ -3397,8 +3398,8 @@
         </p:nvSpPr>
         <p:spPr>
           <a:xfrm>
-            <a:off x="0" y="2239439"/>
-            <a:ext cx="2212258" cy="830015"/>
+            <a:off x="323423" y="1960320"/>
+            <a:ext cx="2484581" cy="410920"/>
           </a:xfrm>
           <a:prstGeom prst="rect">
             <a:avLst/>
@@ -3434,30 +3435,17 @@
                   <a:schemeClr val="tx1"/>
                 </a:solidFill>
               </a:rPr>
-              <a:t>방법 선택</a:t>
-            </a:r>
-            <a:r>
-              <a:rPr lang="en-US" altLang="ko-KR" dirty="0">
-                <a:solidFill>
-                  <a:schemeClr val="tx1"/>
-                </a:solidFill>
-              </a:rPr>
-              <a:t>(1, 2, 3)</a:t>
-            </a:r>
-            <a:endParaRPr lang="ko-KR" altLang="en-US" dirty="0">
-              <a:solidFill>
-                <a:schemeClr val="tx1"/>
-              </a:solidFill>
-            </a:endParaRPr>
-          </a:p>
-        </p:txBody>
-      </p:sp>
-      <p:sp>
-        <p:nvSpPr>
-          <p:cNvPr id="6" name="다이아몬드 5">
-            <a:extLst>
-              <a:ext uri="{FF2B5EF4-FFF2-40B4-BE49-F238E27FC236}">
-                <a16:creationId xmlns:a16="http://schemas.microsoft.com/office/drawing/2014/main" id="{1B07D329-F045-1F73-B420-40EAE7FFB734}"/>
+              <a:t>입력 중단</a:t>
+            </a:r>
+          </a:p>
+        </p:txBody>
+      </p:sp>
+      <p:sp>
+        <p:nvSpPr>
+          <p:cNvPr id="35" name="직사각형 34">
+            <a:extLst>
+              <a:ext uri="{FF2B5EF4-FFF2-40B4-BE49-F238E27FC236}">
+                <a16:creationId xmlns:a16="http://schemas.microsoft.com/office/drawing/2014/main" id="{6EC197CF-019A-A535-E881-F72500438DD7}"/>
               </a:ext>
             </a:extLst>
           </p:cNvPr>
@@ -3466,14 +3454,17 @@
         </p:nvSpPr>
         <p:spPr>
           <a:xfrm>
-            <a:off x="0" y="3365315"/>
-            <a:ext cx="2212258" cy="830015"/>
-          </a:xfrm>
-          <a:prstGeom prst="diamond">
+            <a:off x="323425" y="1138483"/>
+            <a:ext cx="2484581" cy="410919"/>
+          </a:xfrm>
+          <a:prstGeom prst="rect">
             <a:avLst/>
           </a:prstGeom>
           <a:solidFill>
-            <a:schemeClr val="bg1"/>
+            <a:schemeClr val="accent6">
+              <a:lumMod val="20000"/>
+              <a:lumOff val="80000"/>
+            </a:schemeClr>
           </a:solidFill>
         </p:spPr>
         <p:style>
@@ -3503,30 +3494,17 @@
                   <a:schemeClr val="tx1"/>
                 </a:solidFill>
               </a:rPr>
-              <a:t>방법</a:t>
-            </a:r>
-            <a:r>
-              <a:rPr lang="en-US" altLang="ko-KR" dirty="0">
-                <a:solidFill>
-                  <a:schemeClr val="tx1"/>
-                </a:solidFill>
-              </a:rPr>
-              <a:t>=1</a:t>
-            </a:r>
-            <a:endParaRPr lang="ko-KR" altLang="en-US" dirty="0">
-              <a:solidFill>
-                <a:schemeClr val="tx1"/>
-              </a:solidFill>
-            </a:endParaRPr>
-          </a:p>
-        </p:txBody>
-      </p:sp>
-      <p:sp>
-        <p:nvSpPr>
-          <p:cNvPr id="7" name="다이아몬드 6">
-            <a:extLst>
-              <a:ext uri="{FF2B5EF4-FFF2-40B4-BE49-F238E27FC236}">
-                <a16:creationId xmlns:a16="http://schemas.microsoft.com/office/drawing/2014/main" id="{3522D33C-A822-8462-DA36-41A60B367F4B}"/>
+              <a:t>공백 입력 시</a:t>
+            </a:r>
+          </a:p>
+        </p:txBody>
+      </p:sp>
+      <p:sp>
+        <p:nvSpPr>
+          <p:cNvPr id="37" name="직사각형 36">
+            <a:extLst>
+              <a:ext uri="{FF2B5EF4-FFF2-40B4-BE49-F238E27FC236}">
+                <a16:creationId xmlns:a16="http://schemas.microsoft.com/office/drawing/2014/main" id="{757A52C4-7004-5A0A-C6C5-F29B0863D50F}"/>
               </a:ext>
             </a:extLst>
           </p:cNvPr>
@@ -3535,14 +3513,17 @@
         </p:nvSpPr>
         <p:spPr>
           <a:xfrm>
-            <a:off x="0" y="4491191"/>
-            <a:ext cx="2212258" cy="830015"/>
-          </a:xfrm>
-          <a:prstGeom prst="diamond">
+            <a:off x="323423" y="1549402"/>
+            <a:ext cx="2484581" cy="410919"/>
+          </a:xfrm>
+          <a:prstGeom prst="rect">
             <a:avLst/>
           </a:prstGeom>
           <a:solidFill>
-            <a:schemeClr val="bg1"/>
+            <a:schemeClr val="accent6">
+              <a:lumMod val="20000"/>
+              <a:lumOff val="80000"/>
+            </a:schemeClr>
           </a:solidFill>
         </p:spPr>
         <p:style>
@@ -3572,30 +3553,17 @@
                   <a:schemeClr val="tx1"/>
                 </a:solidFill>
               </a:rPr>
-              <a:t>방법</a:t>
-            </a:r>
-            <a:r>
-              <a:rPr lang="en-US" altLang="ko-KR" dirty="0">
-                <a:solidFill>
-                  <a:schemeClr val="tx1"/>
-                </a:solidFill>
-              </a:rPr>
-              <a:t>=2</a:t>
-            </a:r>
-            <a:endParaRPr lang="ko-KR" altLang="en-US" dirty="0">
-              <a:solidFill>
-                <a:schemeClr val="tx1"/>
-              </a:solidFill>
-            </a:endParaRPr>
-          </a:p>
-        </p:txBody>
-      </p:sp>
-      <p:sp>
-        <p:nvSpPr>
-          <p:cNvPr id="8" name="다이아몬드 7">
-            <a:extLst>
-              <a:ext uri="{FF2B5EF4-FFF2-40B4-BE49-F238E27FC236}">
-                <a16:creationId xmlns:a16="http://schemas.microsoft.com/office/drawing/2014/main" id="{B0A9856B-AD97-E1E4-C6E1-78BC7294A8E1}"/>
+              <a:t>입력한 수요가 없을 시</a:t>
+            </a:r>
+          </a:p>
+        </p:txBody>
+      </p:sp>
+      <p:sp>
+        <p:nvSpPr>
+          <p:cNvPr id="48" name="직사각형 47">
+            <a:extLst>
+              <a:ext uri="{FF2B5EF4-FFF2-40B4-BE49-F238E27FC236}">
+                <a16:creationId xmlns:a16="http://schemas.microsoft.com/office/drawing/2014/main" id="{F9D91204-A34A-E728-B27D-2DF2B4A990BE}"/>
               </a:ext>
             </a:extLst>
           </p:cNvPr>
@@ -3604,14 +3572,17 @@
         </p:nvSpPr>
         <p:spPr>
           <a:xfrm>
-            <a:off x="0" y="5617067"/>
-            <a:ext cx="2212258" cy="830015"/>
-          </a:xfrm>
-          <a:prstGeom prst="diamond">
+            <a:off x="2808004" y="1136575"/>
+            <a:ext cx="2484581" cy="410919"/>
+          </a:xfrm>
+          <a:prstGeom prst="rect">
             <a:avLst/>
           </a:prstGeom>
           <a:solidFill>
-            <a:schemeClr val="bg1"/>
+            <a:schemeClr val="accent6">
+              <a:lumMod val="20000"/>
+              <a:lumOff val="80000"/>
+            </a:schemeClr>
           </a:solidFill>
         </p:spPr>
         <p:style>
@@ -3641,30 +3612,17 @@
                   <a:schemeClr val="tx1"/>
                 </a:solidFill>
               </a:rPr>
-              <a:t>방법</a:t>
-            </a:r>
-            <a:r>
-              <a:rPr lang="en-US" altLang="ko-KR" dirty="0">
-                <a:solidFill>
-                  <a:schemeClr val="tx1"/>
-                </a:solidFill>
-              </a:rPr>
-              <a:t>=3</a:t>
-            </a:r>
-            <a:endParaRPr lang="ko-KR" altLang="en-US" dirty="0">
-              <a:solidFill>
-                <a:schemeClr val="tx1"/>
-              </a:solidFill>
-            </a:endParaRPr>
-          </a:p>
-        </p:txBody>
-      </p:sp>
-      <p:sp>
-        <p:nvSpPr>
-          <p:cNvPr id="9" name="직사각형 8">
-            <a:extLst>
-              <a:ext uri="{FF2B5EF4-FFF2-40B4-BE49-F238E27FC236}">
-                <a16:creationId xmlns:a16="http://schemas.microsoft.com/office/drawing/2014/main" id="{85AEB140-3A56-FCF8-C61A-71A2CEB6935B}"/>
+              <a:t>음수 입력 시</a:t>
+            </a:r>
+          </a:p>
+        </p:txBody>
+      </p:sp>
+      <p:sp>
+        <p:nvSpPr>
+          <p:cNvPr id="49" name="직사각형 48">
+            <a:extLst>
+              <a:ext uri="{FF2B5EF4-FFF2-40B4-BE49-F238E27FC236}">
+                <a16:creationId xmlns:a16="http://schemas.microsoft.com/office/drawing/2014/main" id="{B0F2E8B0-C62B-E369-7B73-EF112B7E3E2D}"/>
               </a:ext>
             </a:extLst>
           </p:cNvPr>
@@ -3673,14 +3631,17 @@
         </p:nvSpPr>
         <p:spPr>
           <a:xfrm>
-            <a:off x="2613891" y="3365314"/>
-            <a:ext cx="2212258" cy="830015"/>
+            <a:off x="1565713" y="723476"/>
+            <a:ext cx="2484581" cy="410919"/>
           </a:xfrm>
           <a:prstGeom prst="rect">
             <a:avLst/>
           </a:prstGeom>
           <a:solidFill>
-            <a:schemeClr val="bg1"/>
+            <a:schemeClr val="accent1">
+              <a:lumMod val="20000"/>
+              <a:lumOff val="80000"/>
+            </a:schemeClr>
           </a:solidFill>
         </p:spPr>
         <p:style>
@@ -3710,35 +3671,112 @@
                   <a:schemeClr val="tx1"/>
                 </a:solidFill>
               </a:rPr>
-              <a:t>단순이동평균법 계산</a:t>
+              <a:t>실적 수요 입력</a:t>
+            </a:r>
+          </a:p>
+        </p:txBody>
+      </p:sp>
+      <p:sp>
+        <p:nvSpPr>
+          <p:cNvPr id="50" name="직사각형 49">
+            <a:extLst>
+              <a:ext uri="{FF2B5EF4-FFF2-40B4-BE49-F238E27FC236}">
+                <a16:creationId xmlns:a16="http://schemas.microsoft.com/office/drawing/2014/main" id="{D336DA32-F2B5-B1E8-D818-49C7EDE318C3}"/>
+              </a:ext>
+            </a:extLst>
+          </p:cNvPr>
+          <p:cNvSpPr/>
+          <p:nvPr/>
+        </p:nvSpPr>
+        <p:spPr>
+          <a:xfrm>
+            <a:off x="2808004" y="1547493"/>
+            <a:ext cx="2484581" cy="410920"/>
+          </a:xfrm>
+          <a:prstGeom prst="rect">
+            <a:avLst/>
+          </a:prstGeom>
+          <a:solidFill>
+            <a:schemeClr val="bg1"/>
+          </a:solidFill>
+        </p:spPr>
+        <p:style>
+          <a:lnRef idx="2">
+            <a:schemeClr val="accent1">
+              <a:shade val="15000"/>
+            </a:schemeClr>
+          </a:lnRef>
+          <a:fillRef idx="1">
+            <a:schemeClr val="accent1"/>
+          </a:fillRef>
+          <a:effectRef idx="0">
+            <a:schemeClr val="accent1"/>
+          </a:effectRef>
+          <a:fontRef idx="minor">
+            <a:schemeClr val="lt1"/>
+          </a:fontRef>
+        </p:style>
+        <p:txBody>
+          <a:bodyPr rtlCol="0" anchor="ctr"/>
+          <a:lstStyle/>
+          <a:p>
+            <a:pPr algn="ctr"/>
+            <a:r>
+              <a:rPr lang="ko-KR" altLang="en-US" dirty="0">
+                <a:solidFill>
+                  <a:schemeClr val="tx1"/>
+                </a:solidFill>
+              </a:rPr>
+              <a:t>리스트에 </a:t>
+            </a:r>
+            <a:r>
+              <a:rPr lang="ko-KR" altLang="en-US" dirty="0" err="1">
+                <a:solidFill>
+                  <a:schemeClr val="tx1"/>
+                </a:solidFill>
+              </a:rPr>
+              <a:t>입력값</a:t>
+            </a:r>
+            <a:r>
+              <a:rPr lang="ko-KR" altLang="en-US" dirty="0">
+                <a:solidFill>
+                  <a:schemeClr val="tx1"/>
+                </a:solidFill>
+              </a:rPr>
+              <a:t> 추가</a:t>
             </a:r>
           </a:p>
         </p:txBody>
       </p:sp>
       <p:cxnSp>
         <p:nvCxnSpPr>
-          <p:cNvPr id="15" name="직선 화살표 연결선 14">
-            <a:extLst>
-              <a:ext uri="{FF2B5EF4-FFF2-40B4-BE49-F238E27FC236}">
-                <a16:creationId xmlns:a16="http://schemas.microsoft.com/office/drawing/2014/main" id="{6D394605-3671-3D14-55F7-999CCBA2CCCE}"/>
+          <p:cNvPr id="54" name="연결선: 꺾임 53">
+            <a:extLst>
+              <a:ext uri="{FF2B5EF4-FFF2-40B4-BE49-F238E27FC236}">
+                <a16:creationId xmlns:a16="http://schemas.microsoft.com/office/drawing/2014/main" id="{4DDD2712-E81B-CA3C-1524-625F1DC7724C}"/>
               </a:ext>
             </a:extLst>
           </p:cNvPr>
           <p:cNvCxnSpPr>
-            <a:stCxn id="5" idx="2"/>
-            <a:endCxn id="6" idx="0"/>
+            <a:stCxn id="48" idx="3"/>
+            <a:endCxn id="49" idx="3"/>
           </p:cNvCxnSpPr>
           <p:nvPr/>
         </p:nvCxnSpPr>
         <p:spPr>
-          <a:xfrm>
-            <a:off x="1106129" y="3069454"/>
-            <a:ext cx="0" cy="295861"/>
-          </a:xfrm>
-          <a:prstGeom prst="straightConnector1">
-            <a:avLst/>
+          <a:xfrm flipH="1" flipV="1">
+            <a:off x="4050294" y="928936"/>
+            <a:ext cx="1242291" cy="413099"/>
+          </a:xfrm>
+          <a:prstGeom prst="bentConnector3">
+            <a:avLst>
+              <a:gd name="adj1" fmla="val -18401"/>
+            </a:avLst>
           </a:prstGeom>
           <a:ln>
+            <a:solidFill>
+              <a:srgbClr val="FF0000"/>
+            </a:solidFill>
             <a:tailEnd type="triangle"/>
           </a:ln>
         </p:spPr>
@@ -3759,28 +3797,33 @@
       </p:cxnSp>
       <p:cxnSp>
         <p:nvCxnSpPr>
-          <p:cNvPr id="17" name="직선 화살표 연결선 16">
-            <a:extLst>
-              <a:ext uri="{FF2B5EF4-FFF2-40B4-BE49-F238E27FC236}">
-                <a16:creationId xmlns:a16="http://schemas.microsoft.com/office/drawing/2014/main" id="{D0DEA5D5-2A34-3961-969F-E3C0FB8FF6CB}"/>
+          <p:cNvPr id="56" name="연결선: 꺾임 55">
+            <a:extLst>
+              <a:ext uri="{FF2B5EF4-FFF2-40B4-BE49-F238E27FC236}">
+                <a16:creationId xmlns:a16="http://schemas.microsoft.com/office/drawing/2014/main" id="{DF4045DF-B8AF-F5FD-3C9E-A76E2E1B70EF}"/>
               </a:ext>
             </a:extLst>
           </p:cNvPr>
           <p:cNvCxnSpPr>
-            <a:stCxn id="6" idx="2"/>
-            <a:endCxn id="7" idx="0"/>
+            <a:stCxn id="50" idx="3"/>
+            <a:endCxn id="49" idx="3"/>
           </p:cNvCxnSpPr>
           <p:nvPr/>
         </p:nvCxnSpPr>
         <p:spPr>
-          <a:xfrm>
-            <a:off x="1106129" y="4195330"/>
-            <a:ext cx="0" cy="295861"/>
-          </a:xfrm>
-          <a:prstGeom prst="straightConnector1">
-            <a:avLst/>
+          <a:xfrm flipH="1" flipV="1">
+            <a:off x="4050294" y="928936"/>
+            <a:ext cx="1242291" cy="824017"/>
+          </a:xfrm>
+          <a:prstGeom prst="bentConnector3">
+            <a:avLst>
+              <a:gd name="adj1" fmla="val -18401"/>
+            </a:avLst>
           </a:prstGeom>
           <a:ln>
+            <a:solidFill>
+              <a:srgbClr val="FF0000"/>
+            </a:solidFill>
             <a:tailEnd type="triangle"/>
           </a:ln>
         </p:spPr>
@@ -3801,28 +3844,1917 @@
       </p:cxnSp>
       <p:cxnSp>
         <p:nvCxnSpPr>
-          <p:cNvPr id="19" name="직선 화살표 연결선 18">
-            <a:extLst>
-              <a:ext uri="{FF2B5EF4-FFF2-40B4-BE49-F238E27FC236}">
-                <a16:creationId xmlns:a16="http://schemas.microsoft.com/office/drawing/2014/main" id="{F3F0C895-463A-C72E-F980-67A06F880593}"/>
+          <p:cNvPr id="64" name="연결선: 꺾임 63">
+            <a:extLst>
+              <a:ext uri="{FF2B5EF4-FFF2-40B4-BE49-F238E27FC236}">
+                <a16:creationId xmlns:a16="http://schemas.microsoft.com/office/drawing/2014/main" id="{30D9C697-F41E-8B47-9896-B29B729ED988}"/>
               </a:ext>
             </a:extLst>
           </p:cNvPr>
           <p:cNvCxnSpPr>
-            <a:stCxn id="7" idx="2"/>
-            <a:endCxn id="8" idx="0"/>
+            <a:stCxn id="37" idx="1"/>
+            <a:endCxn id="49" idx="1"/>
           </p:cNvCxnSpPr>
           <p:nvPr/>
         </p:nvCxnSpPr>
         <p:spPr>
+          <a:xfrm rot="10800000" flipH="1">
+            <a:off x="323423" y="928936"/>
+            <a:ext cx="1242290" cy="825926"/>
+          </a:xfrm>
+          <a:prstGeom prst="bentConnector3">
+            <a:avLst>
+              <a:gd name="adj1" fmla="val -18402"/>
+            </a:avLst>
+          </a:prstGeom>
+          <a:ln>
+            <a:solidFill>
+              <a:srgbClr val="FF0000"/>
+            </a:solidFill>
+            <a:tailEnd type="triangle"/>
+          </a:ln>
+        </p:spPr>
+        <p:style>
+          <a:lnRef idx="2">
+            <a:schemeClr val="accent1"/>
+          </a:lnRef>
+          <a:fillRef idx="0">
+            <a:schemeClr val="accent1"/>
+          </a:fillRef>
+          <a:effectRef idx="1">
+            <a:schemeClr val="accent1"/>
+          </a:effectRef>
+          <a:fontRef idx="minor">
+            <a:schemeClr val="tx1"/>
+          </a:fontRef>
+        </p:style>
+      </p:cxnSp>
+      <p:sp>
+        <p:nvSpPr>
+          <p:cNvPr id="79" name="직사각형 78">
+            <a:extLst>
+              <a:ext uri="{FF2B5EF4-FFF2-40B4-BE49-F238E27FC236}">
+                <a16:creationId xmlns:a16="http://schemas.microsoft.com/office/drawing/2014/main" id="{7EC32BCC-2E04-C508-20A4-92B6DD7FD567}"/>
+              </a:ext>
+            </a:extLst>
+          </p:cNvPr>
+          <p:cNvSpPr/>
+          <p:nvPr/>
+        </p:nvSpPr>
+        <p:spPr>
           <a:xfrm>
-            <a:off x="1106129" y="5321206"/>
-            <a:ext cx="0" cy="295861"/>
-          </a:xfrm>
-          <a:prstGeom prst="straightConnector1">
+            <a:off x="6096000" y="308469"/>
+            <a:ext cx="2484575" cy="2048387"/>
+          </a:xfrm>
+          <a:prstGeom prst="rect">
+            <a:avLst/>
+          </a:prstGeom>
+          <a:solidFill>
+            <a:schemeClr val="bg1">
+              <a:lumMod val="95000"/>
+            </a:schemeClr>
+          </a:solidFill>
+        </p:spPr>
+        <p:style>
+          <a:lnRef idx="2">
+            <a:schemeClr val="accent1">
+              <a:shade val="15000"/>
+            </a:schemeClr>
+          </a:lnRef>
+          <a:fillRef idx="1">
+            <a:schemeClr val="accent1"/>
+          </a:fillRef>
+          <a:effectRef idx="0">
+            <a:schemeClr val="accent1"/>
+          </a:effectRef>
+          <a:fontRef idx="minor">
+            <a:schemeClr val="lt1"/>
+          </a:fontRef>
+        </p:style>
+        <p:txBody>
+          <a:bodyPr rtlCol="0" anchor="t"/>
+          <a:lstStyle/>
+          <a:p>
+            <a:pPr algn="ctr"/>
+            <a:r>
+              <a:rPr lang="ko-KR" altLang="en-US" b="1" dirty="0">
+                <a:solidFill>
+                  <a:schemeClr val="tx1"/>
+                </a:solidFill>
+              </a:rPr>
+              <a:t>수요 예측 방법 선택</a:t>
+            </a:r>
+          </a:p>
+        </p:txBody>
+      </p:sp>
+      <p:sp>
+        <p:nvSpPr>
+          <p:cNvPr id="81" name="직사각형 80">
+            <a:extLst>
+              <a:ext uri="{FF2B5EF4-FFF2-40B4-BE49-F238E27FC236}">
+                <a16:creationId xmlns:a16="http://schemas.microsoft.com/office/drawing/2014/main" id="{C273E368-4C43-4194-E644-C5D2FB443C47}"/>
+              </a:ext>
+            </a:extLst>
+          </p:cNvPr>
+          <p:cNvSpPr/>
+          <p:nvPr/>
+        </p:nvSpPr>
+        <p:spPr>
+          <a:xfrm>
+            <a:off x="6095997" y="723475"/>
+            <a:ext cx="2484581" cy="410920"/>
+          </a:xfrm>
+          <a:prstGeom prst="rect">
+            <a:avLst/>
+          </a:prstGeom>
+          <a:solidFill>
+            <a:schemeClr val="bg1"/>
+          </a:solidFill>
+        </p:spPr>
+        <p:style>
+          <a:lnRef idx="2">
+            <a:schemeClr val="accent1">
+              <a:shade val="15000"/>
+            </a:schemeClr>
+          </a:lnRef>
+          <a:fillRef idx="1">
+            <a:schemeClr val="accent1"/>
+          </a:fillRef>
+          <a:effectRef idx="0">
+            <a:schemeClr val="accent1"/>
+          </a:effectRef>
+          <a:fontRef idx="minor">
+            <a:schemeClr val="lt1"/>
+          </a:fontRef>
+        </p:style>
+        <p:txBody>
+          <a:bodyPr rtlCol="0" anchor="ctr"/>
+          <a:lstStyle/>
+          <a:p>
+            <a:pPr algn="ctr"/>
+            <a:r>
+              <a:rPr lang="ko-KR" altLang="en-US" dirty="0">
+                <a:solidFill>
+                  <a:schemeClr val="tx1"/>
+                </a:solidFill>
+              </a:rPr>
+              <a:t>각 방법 설명</a:t>
+            </a:r>
+          </a:p>
+        </p:txBody>
+      </p:sp>
+      <p:sp>
+        <p:nvSpPr>
+          <p:cNvPr id="85" name="직사각형 84">
+            <a:extLst>
+              <a:ext uri="{FF2B5EF4-FFF2-40B4-BE49-F238E27FC236}">
+                <a16:creationId xmlns:a16="http://schemas.microsoft.com/office/drawing/2014/main" id="{DBD8CA8C-34AC-45FB-34E6-3C983697AB11}"/>
+              </a:ext>
+            </a:extLst>
+          </p:cNvPr>
+          <p:cNvSpPr/>
+          <p:nvPr/>
+        </p:nvSpPr>
+        <p:spPr>
+          <a:xfrm>
+            <a:off x="6095997" y="1132347"/>
+            <a:ext cx="2484581" cy="410919"/>
+          </a:xfrm>
+          <a:prstGeom prst="rect">
+            <a:avLst/>
+          </a:prstGeom>
+          <a:solidFill>
+            <a:schemeClr val="accent1">
+              <a:lumMod val="20000"/>
+              <a:lumOff val="80000"/>
+            </a:schemeClr>
+          </a:solidFill>
+        </p:spPr>
+        <p:style>
+          <a:lnRef idx="2">
+            <a:schemeClr val="accent1">
+              <a:shade val="15000"/>
+            </a:schemeClr>
+          </a:lnRef>
+          <a:fillRef idx="1">
+            <a:schemeClr val="accent1"/>
+          </a:fillRef>
+          <a:effectRef idx="0">
+            <a:schemeClr val="accent1"/>
+          </a:effectRef>
+          <a:fontRef idx="minor">
+            <a:schemeClr val="lt1"/>
+          </a:fontRef>
+        </p:style>
+        <p:txBody>
+          <a:bodyPr rtlCol="0" anchor="ctr"/>
+          <a:lstStyle/>
+          <a:p>
+            <a:pPr algn="ctr"/>
+            <a:r>
+              <a:rPr lang="ko-KR" altLang="en-US" dirty="0">
+                <a:solidFill>
+                  <a:schemeClr val="tx1"/>
+                </a:solidFill>
+              </a:rPr>
+              <a:t>방법 번호</a:t>
+            </a:r>
+            <a:r>
+              <a:rPr lang="en-US" altLang="ko-KR" dirty="0">
+                <a:solidFill>
+                  <a:schemeClr val="tx1"/>
+                </a:solidFill>
+              </a:rPr>
+              <a:t>(1 ~ 3)</a:t>
+            </a:r>
+            <a:r>
+              <a:rPr lang="ko-KR" altLang="en-US" dirty="0">
+                <a:solidFill>
+                  <a:schemeClr val="tx1"/>
+                </a:solidFill>
+              </a:rPr>
+              <a:t> 입력</a:t>
+            </a:r>
+          </a:p>
+        </p:txBody>
+      </p:sp>
+      <p:sp>
+        <p:nvSpPr>
+          <p:cNvPr id="87" name="직사각형 86">
+            <a:extLst>
+              <a:ext uri="{FF2B5EF4-FFF2-40B4-BE49-F238E27FC236}">
+                <a16:creationId xmlns:a16="http://schemas.microsoft.com/office/drawing/2014/main" id="{F9BC0E62-9271-FC33-8EBB-E4863BE7807E}"/>
+              </a:ext>
+            </a:extLst>
+          </p:cNvPr>
+          <p:cNvSpPr/>
+          <p:nvPr/>
+        </p:nvSpPr>
+        <p:spPr>
+          <a:xfrm>
+            <a:off x="6095998" y="1540166"/>
+            <a:ext cx="2484581" cy="410919"/>
+          </a:xfrm>
+          <a:prstGeom prst="rect">
+            <a:avLst/>
+          </a:prstGeom>
+          <a:solidFill>
+            <a:schemeClr val="accent6">
+              <a:lumMod val="20000"/>
+              <a:lumOff val="80000"/>
+            </a:schemeClr>
+          </a:solidFill>
+        </p:spPr>
+        <p:style>
+          <a:lnRef idx="2">
+            <a:schemeClr val="accent1">
+              <a:shade val="15000"/>
+            </a:schemeClr>
+          </a:lnRef>
+          <a:fillRef idx="1">
+            <a:schemeClr val="accent1"/>
+          </a:fillRef>
+          <a:effectRef idx="0">
+            <a:schemeClr val="accent1"/>
+          </a:effectRef>
+          <a:fontRef idx="minor">
+            <a:schemeClr val="lt1"/>
+          </a:fontRef>
+        </p:style>
+        <p:txBody>
+          <a:bodyPr rtlCol="0" anchor="ctr"/>
+          <a:lstStyle/>
+          <a:p>
+            <a:pPr algn="ctr"/>
+            <a:r>
+              <a:rPr lang="ko-KR" altLang="en-US" dirty="0">
+                <a:solidFill>
+                  <a:schemeClr val="tx1"/>
+                </a:solidFill>
+              </a:rPr>
+              <a:t>방법 번호가 아닐 시</a:t>
+            </a:r>
+          </a:p>
+        </p:txBody>
+      </p:sp>
+      <p:cxnSp>
+        <p:nvCxnSpPr>
+          <p:cNvPr id="91" name="연결선: 꺾임 90">
+            <a:extLst>
+              <a:ext uri="{FF2B5EF4-FFF2-40B4-BE49-F238E27FC236}">
+                <a16:creationId xmlns:a16="http://schemas.microsoft.com/office/drawing/2014/main" id="{239A5BF6-8818-991E-308B-394DB26ACBA0}"/>
+              </a:ext>
+            </a:extLst>
+          </p:cNvPr>
+          <p:cNvCxnSpPr>
+            <a:stCxn id="87" idx="1"/>
+            <a:endCxn id="85" idx="1"/>
+          </p:cNvCxnSpPr>
+          <p:nvPr/>
+        </p:nvCxnSpPr>
+        <p:spPr>
+          <a:xfrm rot="10800000">
+            <a:off x="6095998" y="1337808"/>
+            <a:ext cx="1" cy="407819"/>
+          </a:xfrm>
+          <a:prstGeom prst="bentConnector3">
+            <a:avLst>
+              <a:gd name="adj1" fmla="val 22860100000"/>
+            </a:avLst>
+          </a:prstGeom>
+          <a:ln>
+            <a:solidFill>
+              <a:srgbClr val="FF0000"/>
+            </a:solidFill>
+            <a:tailEnd type="triangle"/>
+          </a:ln>
+        </p:spPr>
+        <p:style>
+          <a:lnRef idx="2">
+            <a:schemeClr val="accent1"/>
+          </a:lnRef>
+          <a:fillRef idx="0">
+            <a:schemeClr val="accent1"/>
+          </a:fillRef>
+          <a:effectRef idx="1">
+            <a:schemeClr val="accent1"/>
+          </a:effectRef>
+          <a:fontRef idx="minor">
+            <a:schemeClr val="tx1"/>
+          </a:fontRef>
+        </p:style>
+      </p:cxnSp>
+      <p:sp>
+        <p:nvSpPr>
+          <p:cNvPr id="92" name="직사각형 91">
+            <a:extLst>
+              <a:ext uri="{FF2B5EF4-FFF2-40B4-BE49-F238E27FC236}">
+                <a16:creationId xmlns:a16="http://schemas.microsoft.com/office/drawing/2014/main" id="{1FE6671A-8BD9-4E84-D315-FFA800F66C45}"/>
+              </a:ext>
+            </a:extLst>
+          </p:cNvPr>
+          <p:cNvSpPr/>
+          <p:nvPr/>
+        </p:nvSpPr>
+        <p:spPr>
+          <a:xfrm>
+            <a:off x="323423" y="2366693"/>
+            <a:ext cx="2484581" cy="410920"/>
+          </a:xfrm>
+          <a:prstGeom prst="rect">
+            <a:avLst/>
+          </a:prstGeom>
+          <a:solidFill>
+            <a:schemeClr val="bg1"/>
+          </a:solidFill>
+        </p:spPr>
+        <p:style>
+          <a:lnRef idx="2">
+            <a:schemeClr val="accent1">
+              <a:shade val="15000"/>
+            </a:schemeClr>
+          </a:lnRef>
+          <a:fillRef idx="1">
+            <a:schemeClr val="accent1"/>
+          </a:fillRef>
+          <a:effectRef idx="0">
+            <a:schemeClr val="accent1"/>
+          </a:effectRef>
+          <a:fontRef idx="minor">
+            <a:schemeClr val="lt1"/>
+          </a:fontRef>
+        </p:style>
+        <p:txBody>
+          <a:bodyPr rtlCol="0" anchor="ctr"/>
+          <a:lstStyle/>
+          <a:p>
+            <a:pPr algn="ctr"/>
+            <a:r>
+              <a:rPr lang="ko-KR" altLang="en-US" dirty="0">
+                <a:solidFill>
+                  <a:schemeClr val="tx1"/>
+                </a:solidFill>
+              </a:rPr>
+              <a:t>리스트 반환</a:t>
+            </a:r>
+          </a:p>
+        </p:txBody>
+      </p:sp>
+      <p:sp>
+        <p:nvSpPr>
+          <p:cNvPr id="94" name="직사각형 93">
+            <a:extLst>
+              <a:ext uri="{FF2B5EF4-FFF2-40B4-BE49-F238E27FC236}">
+                <a16:creationId xmlns:a16="http://schemas.microsoft.com/office/drawing/2014/main" id="{726B1C5B-D2CC-ADB0-9317-7D6D031D78CB}"/>
+              </a:ext>
+            </a:extLst>
+          </p:cNvPr>
+          <p:cNvSpPr/>
+          <p:nvPr/>
+        </p:nvSpPr>
+        <p:spPr>
+          <a:xfrm>
+            <a:off x="6095997" y="1945936"/>
+            <a:ext cx="2484581" cy="410920"/>
+          </a:xfrm>
+          <a:prstGeom prst="rect">
+            <a:avLst/>
+          </a:prstGeom>
+          <a:solidFill>
+            <a:schemeClr val="bg1"/>
+          </a:solidFill>
+        </p:spPr>
+        <p:style>
+          <a:lnRef idx="2">
+            <a:schemeClr val="accent1">
+              <a:shade val="15000"/>
+            </a:schemeClr>
+          </a:lnRef>
+          <a:fillRef idx="1">
+            <a:schemeClr val="accent1"/>
+          </a:fillRef>
+          <a:effectRef idx="0">
+            <a:schemeClr val="accent1"/>
+          </a:effectRef>
+          <a:fontRef idx="minor">
+            <a:schemeClr val="lt1"/>
+          </a:fontRef>
+        </p:style>
+        <p:txBody>
+          <a:bodyPr rtlCol="0" anchor="ctr"/>
+          <a:lstStyle/>
+          <a:p>
+            <a:pPr algn="ctr"/>
+            <a:r>
+              <a:rPr lang="ko-KR" altLang="en-US" dirty="0">
+                <a:solidFill>
+                  <a:schemeClr val="tx1"/>
+                </a:solidFill>
+              </a:rPr>
+              <a:t>번호 반환</a:t>
+            </a:r>
+          </a:p>
+        </p:txBody>
+      </p:sp>
+      <p:sp>
+        <p:nvSpPr>
+          <p:cNvPr id="96" name="직사각형 95">
+            <a:extLst>
+              <a:ext uri="{FF2B5EF4-FFF2-40B4-BE49-F238E27FC236}">
+                <a16:creationId xmlns:a16="http://schemas.microsoft.com/office/drawing/2014/main" id="{A3908E09-6246-1F71-1C55-83B1A42DF475}"/>
+              </a:ext>
+            </a:extLst>
+          </p:cNvPr>
+          <p:cNvSpPr/>
+          <p:nvPr/>
+        </p:nvSpPr>
+        <p:spPr>
+          <a:xfrm>
+            <a:off x="323421" y="2985669"/>
+            <a:ext cx="10742031" cy="3704062"/>
+          </a:xfrm>
+          <a:prstGeom prst="rect">
+            <a:avLst/>
+          </a:prstGeom>
+          <a:solidFill>
+            <a:schemeClr val="bg1">
+              <a:lumMod val="95000"/>
+            </a:schemeClr>
+          </a:solidFill>
+        </p:spPr>
+        <p:style>
+          <a:lnRef idx="2">
+            <a:schemeClr val="accent1">
+              <a:shade val="15000"/>
+            </a:schemeClr>
+          </a:lnRef>
+          <a:fillRef idx="1">
+            <a:schemeClr val="accent1"/>
+          </a:fillRef>
+          <a:effectRef idx="0">
+            <a:schemeClr val="accent1"/>
+          </a:effectRef>
+          <a:fontRef idx="minor">
+            <a:schemeClr val="lt1"/>
+          </a:fontRef>
+        </p:style>
+        <p:txBody>
+          <a:bodyPr rtlCol="0" anchor="t"/>
+          <a:lstStyle/>
+          <a:p>
+            <a:pPr algn="ctr"/>
+            <a:r>
+              <a:rPr lang="ko-KR" altLang="en-US" b="1" dirty="0">
+                <a:solidFill>
+                  <a:schemeClr val="tx1"/>
+                </a:solidFill>
+              </a:rPr>
+              <a:t>수요 예측 계산</a:t>
+            </a:r>
+          </a:p>
+        </p:txBody>
+      </p:sp>
+      <p:sp>
+        <p:nvSpPr>
+          <p:cNvPr id="98" name="직사각형 97">
+            <a:extLst>
+              <a:ext uri="{FF2B5EF4-FFF2-40B4-BE49-F238E27FC236}">
+                <a16:creationId xmlns:a16="http://schemas.microsoft.com/office/drawing/2014/main" id="{34BF70E4-F72D-D46B-9117-0C2FE07B8F3B}"/>
+              </a:ext>
+            </a:extLst>
+          </p:cNvPr>
+          <p:cNvSpPr/>
+          <p:nvPr/>
+        </p:nvSpPr>
+        <p:spPr>
+          <a:xfrm>
+            <a:off x="323422" y="3407606"/>
+            <a:ext cx="2484581" cy="410400"/>
+          </a:xfrm>
+          <a:prstGeom prst="rect">
+            <a:avLst/>
+          </a:prstGeom>
+          <a:solidFill>
+            <a:schemeClr val="accent6">
+              <a:lumMod val="20000"/>
+              <a:lumOff val="80000"/>
+            </a:schemeClr>
+          </a:solidFill>
+        </p:spPr>
+        <p:style>
+          <a:lnRef idx="2">
+            <a:schemeClr val="accent1">
+              <a:shade val="15000"/>
+            </a:schemeClr>
+          </a:lnRef>
+          <a:fillRef idx="1">
+            <a:schemeClr val="accent1"/>
+          </a:fillRef>
+          <a:effectRef idx="0">
+            <a:schemeClr val="accent1"/>
+          </a:effectRef>
+          <a:fontRef idx="minor">
+            <a:schemeClr val="lt1"/>
+          </a:fontRef>
+        </p:style>
+        <p:txBody>
+          <a:bodyPr rtlCol="0" anchor="ctr"/>
+          <a:lstStyle/>
+          <a:p>
+            <a:pPr algn="ctr"/>
+            <a:r>
+              <a:rPr lang="ko-KR" altLang="en-US" dirty="0">
+                <a:solidFill>
+                  <a:schemeClr val="tx1"/>
+                </a:solidFill>
+              </a:rPr>
+              <a:t>방법이 </a:t>
+            </a:r>
+            <a:r>
+              <a:rPr lang="en-US" altLang="ko-KR" dirty="0">
+                <a:solidFill>
+                  <a:schemeClr val="tx1"/>
+                </a:solidFill>
+              </a:rPr>
+              <a:t>1</a:t>
+            </a:r>
+            <a:r>
+              <a:rPr lang="ko-KR" altLang="en-US" dirty="0">
+                <a:solidFill>
+                  <a:schemeClr val="tx1"/>
+                </a:solidFill>
+              </a:rPr>
+              <a:t>일 시</a:t>
+            </a:r>
+          </a:p>
+        </p:txBody>
+      </p:sp>
+      <p:sp>
+        <p:nvSpPr>
+          <p:cNvPr id="99" name="직사각형 98">
+            <a:extLst>
+              <a:ext uri="{FF2B5EF4-FFF2-40B4-BE49-F238E27FC236}">
+                <a16:creationId xmlns:a16="http://schemas.microsoft.com/office/drawing/2014/main" id="{A63080A6-FB75-49CE-F14F-8FBB15CD9EB7}"/>
+              </a:ext>
+            </a:extLst>
+          </p:cNvPr>
+          <p:cNvSpPr/>
+          <p:nvPr/>
+        </p:nvSpPr>
+        <p:spPr>
+          <a:xfrm>
+            <a:off x="323423" y="3818367"/>
+            <a:ext cx="2484581" cy="410920"/>
+          </a:xfrm>
+          <a:prstGeom prst="rect">
+            <a:avLst/>
+          </a:prstGeom>
+          <a:solidFill>
+            <a:schemeClr val="bg1"/>
+          </a:solidFill>
+        </p:spPr>
+        <p:style>
+          <a:lnRef idx="2">
+            <a:schemeClr val="accent1">
+              <a:shade val="15000"/>
+            </a:schemeClr>
+          </a:lnRef>
+          <a:fillRef idx="1">
+            <a:schemeClr val="accent1"/>
+          </a:fillRef>
+          <a:effectRef idx="0">
+            <a:schemeClr val="accent1"/>
+          </a:effectRef>
+          <a:fontRef idx="minor">
+            <a:schemeClr val="lt1"/>
+          </a:fontRef>
+        </p:style>
+        <p:txBody>
+          <a:bodyPr rtlCol="0" anchor="ctr"/>
+          <a:lstStyle/>
+          <a:p>
+            <a:pPr algn="ctr"/>
+            <a:r>
+              <a:rPr lang="ko-KR" altLang="en-US" dirty="0">
+                <a:solidFill>
+                  <a:schemeClr val="tx1"/>
+                </a:solidFill>
+              </a:rPr>
+              <a:t>단순이동평균법 계산</a:t>
+            </a:r>
+          </a:p>
+        </p:txBody>
+      </p:sp>
+      <p:sp>
+        <p:nvSpPr>
+          <p:cNvPr id="117" name="직사각형 116">
+            <a:extLst>
+              <a:ext uri="{FF2B5EF4-FFF2-40B4-BE49-F238E27FC236}">
+                <a16:creationId xmlns:a16="http://schemas.microsoft.com/office/drawing/2014/main" id="{19585AD9-F254-0E10-168F-D28A7843E39E}"/>
+              </a:ext>
+            </a:extLst>
+          </p:cNvPr>
+          <p:cNvSpPr/>
+          <p:nvPr/>
+        </p:nvSpPr>
+        <p:spPr>
+          <a:xfrm>
+            <a:off x="4457074" y="3408084"/>
+            <a:ext cx="2484581" cy="410400"/>
+          </a:xfrm>
+          <a:prstGeom prst="rect">
+            <a:avLst/>
+          </a:prstGeom>
+          <a:solidFill>
+            <a:schemeClr val="accent6">
+              <a:lumMod val="20000"/>
+              <a:lumOff val="80000"/>
+            </a:schemeClr>
+          </a:solidFill>
+        </p:spPr>
+        <p:style>
+          <a:lnRef idx="2">
+            <a:schemeClr val="accent1">
+              <a:shade val="15000"/>
+            </a:schemeClr>
+          </a:lnRef>
+          <a:fillRef idx="1">
+            <a:schemeClr val="accent1"/>
+          </a:fillRef>
+          <a:effectRef idx="0">
+            <a:schemeClr val="accent1"/>
+          </a:effectRef>
+          <a:fontRef idx="minor">
+            <a:schemeClr val="lt1"/>
+          </a:fontRef>
+        </p:style>
+        <p:txBody>
+          <a:bodyPr rtlCol="0" anchor="ctr"/>
+          <a:lstStyle/>
+          <a:p>
+            <a:pPr algn="ctr"/>
+            <a:r>
+              <a:rPr lang="ko-KR" altLang="en-US" dirty="0">
+                <a:solidFill>
+                  <a:schemeClr val="tx1"/>
+                </a:solidFill>
+              </a:rPr>
+              <a:t>방법이 </a:t>
+            </a:r>
+            <a:r>
+              <a:rPr lang="en-US" altLang="ko-KR" dirty="0">
+                <a:solidFill>
+                  <a:schemeClr val="tx1"/>
+                </a:solidFill>
+              </a:rPr>
+              <a:t>2</a:t>
+            </a:r>
+            <a:r>
+              <a:rPr lang="ko-KR" altLang="en-US" dirty="0">
+                <a:solidFill>
+                  <a:schemeClr val="tx1"/>
+                </a:solidFill>
+              </a:rPr>
+              <a:t>일 시</a:t>
+            </a:r>
+          </a:p>
+        </p:txBody>
+      </p:sp>
+      <p:sp>
+        <p:nvSpPr>
+          <p:cNvPr id="121" name="직사각형 120">
+            <a:extLst>
+              <a:ext uri="{FF2B5EF4-FFF2-40B4-BE49-F238E27FC236}">
+                <a16:creationId xmlns:a16="http://schemas.microsoft.com/office/drawing/2014/main" id="{EDED22F9-9035-CABB-0735-607040F42F1E}"/>
+              </a:ext>
+            </a:extLst>
+          </p:cNvPr>
+          <p:cNvSpPr/>
+          <p:nvPr/>
+        </p:nvSpPr>
+        <p:spPr>
+          <a:xfrm>
+            <a:off x="5690128" y="4233316"/>
+            <a:ext cx="2484581" cy="410919"/>
+          </a:xfrm>
+          <a:prstGeom prst="rect">
+            <a:avLst/>
+          </a:prstGeom>
+          <a:solidFill>
+            <a:schemeClr val="accent1">
+              <a:lumMod val="20000"/>
+              <a:lumOff val="80000"/>
+            </a:schemeClr>
+          </a:solidFill>
+        </p:spPr>
+        <p:style>
+          <a:lnRef idx="2">
+            <a:schemeClr val="accent1">
+              <a:shade val="15000"/>
+            </a:schemeClr>
+          </a:lnRef>
+          <a:fillRef idx="1">
+            <a:schemeClr val="accent1"/>
+          </a:fillRef>
+          <a:effectRef idx="0">
+            <a:schemeClr val="accent1"/>
+          </a:effectRef>
+          <a:fontRef idx="minor">
+            <a:schemeClr val="lt1"/>
+          </a:fontRef>
+        </p:style>
+        <p:txBody>
+          <a:bodyPr rtlCol="0" anchor="ctr"/>
+          <a:lstStyle/>
+          <a:p>
+            <a:pPr algn="ctr"/>
+            <a:r>
+              <a:rPr lang="ko-KR" altLang="en-US" dirty="0">
+                <a:solidFill>
+                  <a:schemeClr val="tx1"/>
+                </a:solidFill>
+              </a:rPr>
+              <a:t>각 수요 가중치 입력</a:t>
+            </a:r>
+          </a:p>
+        </p:txBody>
+      </p:sp>
+      <p:sp>
+        <p:nvSpPr>
+          <p:cNvPr id="122" name="직사각형 121">
+            <a:extLst>
+              <a:ext uri="{FF2B5EF4-FFF2-40B4-BE49-F238E27FC236}">
+                <a16:creationId xmlns:a16="http://schemas.microsoft.com/office/drawing/2014/main" id="{7133FB45-782B-2E6C-DB64-1154881E5929}"/>
+              </a:ext>
+            </a:extLst>
+          </p:cNvPr>
+          <p:cNvSpPr/>
+          <p:nvPr/>
+        </p:nvSpPr>
+        <p:spPr>
+          <a:xfrm>
+            <a:off x="4457074" y="3816056"/>
+            <a:ext cx="2484581" cy="410920"/>
+          </a:xfrm>
+          <a:prstGeom prst="rect">
+            <a:avLst/>
+          </a:prstGeom>
+          <a:solidFill>
+            <a:schemeClr val="bg1"/>
+          </a:solidFill>
+        </p:spPr>
+        <p:style>
+          <a:lnRef idx="2">
+            <a:schemeClr val="accent1">
+              <a:shade val="15000"/>
+            </a:schemeClr>
+          </a:lnRef>
+          <a:fillRef idx="1">
+            <a:schemeClr val="accent1"/>
+          </a:fillRef>
+          <a:effectRef idx="0">
+            <a:schemeClr val="accent1"/>
+          </a:effectRef>
+          <a:fontRef idx="minor">
+            <a:schemeClr val="lt1"/>
+          </a:fontRef>
+        </p:style>
+        <p:txBody>
+          <a:bodyPr rtlCol="0" anchor="ctr"/>
+          <a:lstStyle/>
+          <a:p>
+            <a:pPr algn="ctr"/>
+            <a:r>
+              <a:rPr lang="ko-KR" altLang="en-US" dirty="0">
+                <a:solidFill>
+                  <a:schemeClr val="tx1"/>
+                </a:solidFill>
+              </a:rPr>
+              <a:t>각 수요 가중치 초기화</a:t>
+            </a:r>
+          </a:p>
+        </p:txBody>
+      </p:sp>
+      <p:sp>
+        <p:nvSpPr>
+          <p:cNvPr id="126" name="직사각형 125">
+            <a:extLst>
+              <a:ext uri="{FF2B5EF4-FFF2-40B4-BE49-F238E27FC236}">
+                <a16:creationId xmlns:a16="http://schemas.microsoft.com/office/drawing/2014/main" id="{D5682888-10B1-E1EE-7747-29A84A1BEA11}"/>
+              </a:ext>
+            </a:extLst>
+          </p:cNvPr>
+          <p:cNvSpPr/>
+          <p:nvPr/>
+        </p:nvSpPr>
+        <p:spPr>
+          <a:xfrm>
+            <a:off x="4457074" y="5872783"/>
+            <a:ext cx="2484581" cy="410920"/>
+          </a:xfrm>
+          <a:prstGeom prst="rect">
+            <a:avLst/>
+          </a:prstGeom>
+          <a:solidFill>
+            <a:schemeClr val="bg1"/>
+          </a:solidFill>
+        </p:spPr>
+        <p:style>
+          <a:lnRef idx="2">
+            <a:schemeClr val="accent1">
+              <a:shade val="15000"/>
+            </a:schemeClr>
+          </a:lnRef>
+          <a:fillRef idx="1">
+            <a:schemeClr val="accent1"/>
+          </a:fillRef>
+          <a:effectRef idx="0">
+            <a:schemeClr val="accent1"/>
+          </a:effectRef>
+          <a:fontRef idx="minor">
+            <a:schemeClr val="lt1"/>
+          </a:fontRef>
+        </p:style>
+        <p:txBody>
+          <a:bodyPr rtlCol="0" anchor="ctr"/>
+          <a:lstStyle/>
+          <a:p>
+            <a:pPr algn="ctr"/>
+            <a:r>
+              <a:rPr lang="ko-KR" altLang="en-US" dirty="0">
+                <a:solidFill>
+                  <a:schemeClr val="tx1"/>
+                </a:solidFill>
+              </a:rPr>
+              <a:t>가중이동평균법 계산</a:t>
+            </a:r>
+          </a:p>
+        </p:txBody>
+      </p:sp>
+      <p:sp>
+        <p:nvSpPr>
+          <p:cNvPr id="129" name="직사각형 128">
+            <a:extLst>
+              <a:ext uri="{FF2B5EF4-FFF2-40B4-BE49-F238E27FC236}">
+                <a16:creationId xmlns:a16="http://schemas.microsoft.com/office/drawing/2014/main" id="{AF9BCFAD-EBC6-4762-07B3-6C5BA8691EBC}"/>
+              </a:ext>
+            </a:extLst>
+          </p:cNvPr>
+          <p:cNvSpPr/>
+          <p:nvPr/>
+        </p:nvSpPr>
+        <p:spPr>
+          <a:xfrm>
+            <a:off x="5692396" y="4642584"/>
+            <a:ext cx="2484581" cy="410919"/>
+          </a:xfrm>
+          <a:prstGeom prst="rect">
+            <a:avLst/>
+          </a:prstGeom>
+          <a:solidFill>
+            <a:schemeClr val="accent6">
+              <a:lumMod val="20000"/>
+              <a:lumOff val="80000"/>
+            </a:schemeClr>
+          </a:solidFill>
+        </p:spPr>
+        <p:style>
+          <a:lnRef idx="2">
+            <a:schemeClr val="accent1">
+              <a:shade val="15000"/>
+            </a:schemeClr>
+          </a:lnRef>
+          <a:fillRef idx="1">
+            <a:schemeClr val="accent1"/>
+          </a:fillRef>
+          <a:effectRef idx="0">
+            <a:schemeClr val="accent1"/>
+          </a:effectRef>
+          <a:fontRef idx="minor">
+            <a:schemeClr val="lt1"/>
+          </a:fontRef>
+        </p:style>
+        <p:txBody>
+          <a:bodyPr rtlCol="0" anchor="ctr"/>
+          <a:lstStyle/>
+          <a:p>
+            <a:pPr algn="ctr"/>
+            <a:r>
+              <a:rPr lang="ko-KR" altLang="en-US" dirty="0">
+                <a:solidFill>
+                  <a:schemeClr val="tx1"/>
+                </a:solidFill>
+              </a:rPr>
+              <a:t>범위 외의 값 입력 시</a:t>
+            </a:r>
+          </a:p>
+        </p:txBody>
+      </p:sp>
+      <p:sp>
+        <p:nvSpPr>
+          <p:cNvPr id="130" name="직사각형 129">
+            <a:extLst>
+              <a:ext uri="{FF2B5EF4-FFF2-40B4-BE49-F238E27FC236}">
+                <a16:creationId xmlns:a16="http://schemas.microsoft.com/office/drawing/2014/main" id="{CB1EE26C-2460-6DC1-E846-6FDB3C461149}"/>
+              </a:ext>
+            </a:extLst>
+          </p:cNvPr>
+          <p:cNvSpPr/>
+          <p:nvPr/>
+        </p:nvSpPr>
+        <p:spPr>
+          <a:xfrm>
+            <a:off x="5692396" y="5053502"/>
+            <a:ext cx="2484581" cy="410920"/>
+          </a:xfrm>
+          <a:prstGeom prst="rect">
+            <a:avLst/>
+          </a:prstGeom>
+          <a:solidFill>
+            <a:schemeClr val="bg1"/>
+          </a:solidFill>
+        </p:spPr>
+        <p:style>
+          <a:lnRef idx="2">
+            <a:schemeClr val="accent1">
+              <a:shade val="15000"/>
+            </a:schemeClr>
+          </a:lnRef>
+          <a:fillRef idx="1">
+            <a:schemeClr val="accent1"/>
+          </a:fillRef>
+          <a:effectRef idx="0">
+            <a:schemeClr val="accent1"/>
+          </a:effectRef>
+          <a:fontRef idx="minor">
+            <a:schemeClr val="lt1"/>
+          </a:fontRef>
+        </p:style>
+        <p:txBody>
+          <a:bodyPr rtlCol="0" anchor="ctr"/>
+          <a:lstStyle/>
+          <a:p>
+            <a:pPr algn="ctr"/>
+            <a:r>
+              <a:rPr lang="ko-KR" altLang="en-US" dirty="0">
+                <a:solidFill>
+                  <a:schemeClr val="tx1"/>
+                </a:solidFill>
+              </a:rPr>
+              <a:t>리스트에 </a:t>
+            </a:r>
+            <a:r>
+              <a:rPr lang="ko-KR" altLang="en-US" dirty="0" err="1">
+                <a:solidFill>
+                  <a:schemeClr val="tx1"/>
+                </a:solidFill>
+              </a:rPr>
+              <a:t>입력값</a:t>
+            </a:r>
+            <a:r>
+              <a:rPr lang="ko-KR" altLang="en-US" dirty="0">
+                <a:solidFill>
+                  <a:schemeClr val="tx1"/>
+                </a:solidFill>
+              </a:rPr>
+              <a:t> 추가</a:t>
+            </a:r>
+          </a:p>
+        </p:txBody>
+      </p:sp>
+      <p:cxnSp>
+        <p:nvCxnSpPr>
+          <p:cNvPr id="133" name="연결선: 꺾임 132">
+            <a:extLst>
+              <a:ext uri="{FF2B5EF4-FFF2-40B4-BE49-F238E27FC236}">
+                <a16:creationId xmlns:a16="http://schemas.microsoft.com/office/drawing/2014/main" id="{808A8A8B-4533-F877-0DAC-FC18983C0A7B}"/>
+              </a:ext>
+            </a:extLst>
+          </p:cNvPr>
+          <p:cNvCxnSpPr>
+            <a:stCxn id="129" idx="3"/>
+            <a:endCxn id="121" idx="3"/>
+          </p:cNvCxnSpPr>
+          <p:nvPr/>
+        </p:nvCxnSpPr>
+        <p:spPr>
+          <a:xfrm flipH="1" flipV="1">
+            <a:off x="8174709" y="4438776"/>
+            <a:ext cx="2268" cy="409268"/>
+          </a:xfrm>
+          <a:prstGeom prst="bentConnector3">
+            <a:avLst>
+              <a:gd name="adj1" fmla="val -10079365"/>
+            </a:avLst>
+          </a:prstGeom>
+          <a:ln>
+            <a:solidFill>
+              <a:srgbClr val="FF0000"/>
+            </a:solidFill>
+            <a:tailEnd type="triangle"/>
+          </a:ln>
+        </p:spPr>
+        <p:style>
+          <a:lnRef idx="2">
+            <a:schemeClr val="accent1"/>
+          </a:lnRef>
+          <a:fillRef idx="0">
+            <a:schemeClr val="accent1"/>
+          </a:fillRef>
+          <a:effectRef idx="1">
+            <a:schemeClr val="accent1"/>
+          </a:effectRef>
+          <a:fontRef idx="minor">
+            <a:schemeClr val="tx1"/>
+          </a:fontRef>
+        </p:style>
+      </p:cxnSp>
+      <p:sp>
+        <p:nvSpPr>
+          <p:cNvPr id="137" name="직사각형 136">
+            <a:extLst>
+              <a:ext uri="{FF2B5EF4-FFF2-40B4-BE49-F238E27FC236}">
+                <a16:creationId xmlns:a16="http://schemas.microsoft.com/office/drawing/2014/main" id="{A2154BAB-B693-1961-0755-4F32D8450893}"/>
+              </a:ext>
+            </a:extLst>
+          </p:cNvPr>
+          <p:cNvSpPr/>
+          <p:nvPr/>
+        </p:nvSpPr>
+        <p:spPr>
+          <a:xfrm>
+            <a:off x="3207817" y="4232873"/>
+            <a:ext cx="2484581" cy="410400"/>
+          </a:xfrm>
+          <a:prstGeom prst="rect">
+            <a:avLst/>
+          </a:prstGeom>
+          <a:solidFill>
+            <a:schemeClr val="accent6">
+              <a:lumMod val="20000"/>
+              <a:lumOff val="80000"/>
+            </a:schemeClr>
+          </a:solidFill>
+        </p:spPr>
+        <p:style>
+          <a:lnRef idx="2">
+            <a:schemeClr val="accent1">
+              <a:shade val="15000"/>
+            </a:schemeClr>
+          </a:lnRef>
+          <a:fillRef idx="1">
+            <a:schemeClr val="accent1"/>
+          </a:fillRef>
+          <a:effectRef idx="0">
+            <a:schemeClr val="accent1"/>
+          </a:effectRef>
+          <a:fontRef idx="minor">
+            <a:schemeClr val="lt1"/>
+          </a:fontRef>
+        </p:style>
+        <p:txBody>
+          <a:bodyPr rtlCol="0" anchor="ctr"/>
+          <a:lstStyle/>
+          <a:p>
+            <a:pPr algn="ctr"/>
+            <a:r>
+              <a:rPr lang="ko-KR" altLang="en-US" dirty="0">
+                <a:solidFill>
+                  <a:schemeClr val="tx1"/>
+                </a:solidFill>
+              </a:rPr>
+              <a:t>마지막 가중치일 시</a:t>
+            </a:r>
+          </a:p>
+        </p:txBody>
+      </p:sp>
+      <p:sp>
+        <p:nvSpPr>
+          <p:cNvPr id="140" name="직사각형 139">
+            <a:extLst>
+              <a:ext uri="{FF2B5EF4-FFF2-40B4-BE49-F238E27FC236}">
+                <a16:creationId xmlns:a16="http://schemas.microsoft.com/office/drawing/2014/main" id="{96C13D8D-7184-8866-6740-A8863465B801}"/>
+              </a:ext>
+            </a:extLst>
+          </p:cNvPr>
+          <p:cNvSpPr/>
+          <p:nvPr/>
+        </p:nvSpPr>
+        <p:spPr>
+          <a:xfrm>
+            <a:off x="3209620" y="4648297"/>
+            <a:ext cx="2484581" cy="410920"/>
+          </a:xfrm>
+          <a:prstGeom prst="rect">
+            <a:avLst/>
+          </a:prstGeom>
+          <a:solidFill>
+            <a:schemeClr val="bg1"/>
+          </a:solidFill>
+        </p:spPr>
+        <p:style>
+          <a:lnRef idx="2">
+            <a:schemeClr val="accent1">
+              <a:shade val="15000"/>
+            </a:schemeClr>
+          </a:lnRef>
+          <a:fillRef idx="1">
+            <a:schemeClr val="accent1"/>
+          </a:fillRef>
+          <a:effectRef idx="0">
+            <a:schemeClr val="accent1"/>
+          </a:effectRef>
+          <a:fontRef idx="minor">
+            <a:schemeClr val="lt1"/>
+          </a:fontRef>
+        </p:style>
+        <p:txBody>
+          <a:bodyPr rtlCol="0" anchor="ctr"/>
+          <a:lstStyle/>
+          <a:p>
+            <a:pPr algn="ctr"/>
+            <a:r>
+              <a:rPr lang="ko-KR" altLang="en-US" dirty="0">
+                <a:solidFill>
+                  <a:schemeClr val="tx1"/>
+                </a:solidFill>
+              </a:rPr>
+              <a:t>가중치 자동계산</a:t>
+            </a:r>
+          </a:p>
+        </p:txBody>
+      </p:sp>
+      <p:sp>
+        <p:nvSpPr>
+          <p:cNvPr id="143" name="직사각형 142">
+            <a:extLst>
+              <a:ext uri="{FF2B5EF4-FFF2-40B4-BE49-F238E27FC236}">
+                <a16:creationId xmlns:a16="http://schemas.microsoft.com/office/drawing/2014/main" id="{F238901E-EAA5-A139-BA5F-C7B917667844}"/>
+              </a:ext>
+            </a:extLst>
+          </p:cNvPr>
+          <p:cNvSpPr/>
+          <p:nvPr/>
+        </p:nvSpPr>
+        <p:spPr>
+          <a:xfrm>
+            <a:off x="3209620" y="5052894"/>
+            <a:ext cx="2484581" cy="410920"/>
+          </a:xfrm>
+          <a:prstGeom prst="rect">
+            <a:avLst/>
+          </a:prstGeom>
+          <a:solidFill>
+            <a:schemeClr val="bg1"/>
+          </a:solidFill>
+        </p:spPr>
+        <p:style>
+          <a:lnRef idx="2">
+            <a:schemeClr val="accent1">
+              <a:shade val="15000"/>
+            </a:schemeClr>
+          </a:lnRef>
+          <a:fillRef idx="1">
+            <a:schemeClr val="accent1"/>
+          </a:fillRef>
+          <a:effectRef idx="0">
+            <a:schemeClr val="accent1"/>
+          </a:effectRef>
+          <a:fontRef idx="minor">
+            <a:schemeClr val="lt1"/>
+          </a:fontRef>
+        </p:style>
+        <p:txBody>
+          <a:bodyPr rtlCol="0" anchor="ctr"/>
+          <a:lstStyle/>
+          <a:p>
+            <a:pPr algn="ctr"/>
+            <a:r>
+              <a:rPr lang="ko-KR" altLang="en-US" dirty="0">
+                <a:solidFill>
+                  <a:schemeClr val="tx1"/>
+                </a:solidFill>
+              </a:rPr>
+              <a:t>리스트에 값 추가</a:t>
+            </a:r>
+          </a:p>
+        </p:txBody>
+      </p:sp>
+      <p:sp>
+        <p:nvSpPr>
+          <p:cNvPr id="156" name="직사각형 155">
+            <a:extLst>
+              <a:ext uri="{FF2B5EF4-FFF2-40B4-BE49-F238E27FC236}">
+                <a16:creationId xmlns:a16="http://schemas.microsoft.com/office/drawing/2014/main" id="{ABDB103F-9B63-9E2B-58CC-42C41E0A2007}"/>
+              </a:ext>
+            </a:extLst>
+          </p:cNvPr>
+          <p:cNvSpPr/>
+          <p:nvPr/>
+        </p:nvSpPr>
+        <p:spPr>
+          <a:xfrm>
+            <a:off x="4457075" y="5463814"/>
+            <a:ext cx="2484581" cy="410400"/>
+          </a:xfrm>
+          <a:prstGeom prst="rect">
+            <a:avLst/>
+          </a:prstGeom>
+          <a:solidFill>
+            <a:schemeClr val="accent6">
+              <a:lumMod val="20000"/>
+              <a:lumOff val="80000"/>
+            </a:schemeClr>
+          </a:solidFill>
+        </p:spPr>
+        <p:style>
+          <a:lnRef idx="2">
+            <a:schemeClr val="accent1">
+              <a:shade val="15000"/>
+            </a:schemeClr>
+          </a:lnRef>
+          <a:fillRef idx="1">
+            <a:schemeClr val="accent1"/>
+          </a:fillRef>
+          <a:effectRef idx="0">
+            <a:schemeClr val="accent1"/>
+          </a:effectRef>
+          <a:fontRef idx="minor">
+            <a:schemeClr val="lt1"/>
+          </a:fontRef>
+        </p:style>
+        <p:txBody>
+          <a:bodyPr rtlCol="0" anchor="ctr"/>
+          <a:lstStyle/>
+          <a:p>
+            <a:pPr algn="ctr"/>
+            <a:r>
+              <a:rPr lang="ko-KR" altLang="en-US" dirty="0">
+                <a:solidFill>
+                  <a:schemeClr val="tx1"/>
+                </a:solidFill>
+              </a:rPr>
+              <a:t>가중치 합 </a:t>
+            </a:r>
+            <a:r>
+              <a:rPr lang="en-US" altLang="ko-KR" dirty="0">
+                <a:solidFill>
+                  <a:schemeClr val="tx1"/>
+                </a:solidFill>
+              </a:rPr>
+              <a:t>&gt; 0</a:t>
+            </a:r>
+            <a:r>
+              <a:rPr lang="ko-KR" altLang="en-US" dirty="0">
+                <a:solidFill>
+                  <a:schemeClr val="tx1"/>
+                </a:solidFill>
+              </a:rPr>
+              <a:t>일 시</a:t>
+            </a:r>
+          </a:p>
+        </p:txBody>
+      </p:sp>
+      <p:cxnSp>
+        <p:nvCxnSpPr>
+          <p:cNvPr id="159" name="연결선: 꺾임 158">
+            <a:extLst>
+              <a:ext uri="{FF2B5EF4-FFF2-40B4-BE49-F238E27FC236}">
+                <a16:creationId xmlns:a16="http://schemas.microsoft.com/office/drawing/2014/main" id="{7179C43D-B0B3-5291-2893-F65AA618C38D}"/>
+              </a:ext>
+            </a:extLst>
+          </p:cNvPr>
+          <p:cNvCxnSpPr>
+            <a:cxnSpLocks/>
+            <a:stCxn id="156" idx="3"/>
+            <a:endCxn id="122" idx="3"/>
+          </p:cNvCxnSpPr>
+          <p:nvPr/>
+        </p:nvCxnSpPr>
+        <p:spPr>
+          <a:xfrm flipH="1" flipV="1">
+            <a:off x="6941655" y="4021516"/>
+            <a:ext cx="1" cy="1647498"/>
+          </a:xfrm>
+          <a:prstGeom prst="bentConnector3">
+            <a:avLst>
+              <a:gd name="adj1" fmla="val -22860000000"/>
+            </a:avLst>
+          </a:prstGeom>
+          <a:ln>
+            <a:solidFill>
+              <a:srgbClr val="FF0000"/>
+            </a:solidFill>
+            <a:tailEnd type="triangle"/>
+          </a:ln>
+        </p:spPr>
+        <p:style>
+          <a:lnRef idx="2">
+            <a:schemeClr val="accent1"/>
+          </a:lnRef>
+          <a:fillRef idx="0">
+            <a:schemeClr val="accent1"/>
+          </a:fillRef>
+          <a:effectRef idx="1">
+            <a:schemeClr val="accent1"/>
+          </a:effectRef>
+          <a:fontRef idx="minor">
+            <a:schemeClr val="tx1"/>
+          </a:fontRef>
+        </p:style>
+      </p:cxnSp>
+      <p:sp>
+        <p:nvSpPr>
+          <p:cNvPr id="161" name="직사각형 160">
+            <a:extLst>
+              <a:ext uri="{FF2B5EF4-FFF2-40B4-BE49-F238E27FC236}">
+                <a16:creationId xmlns:a16="http://schemas.microsoft.com/office/drawing/2014/main" id="{2BDF75F3-B635-CFAA-35A7-B2764462D07D}"/>
+              </a:ext>
+            </a:extLst>
+          </p:cNvPr>
+          <p:cNvSpPr/>
+          <p:nvPr/>
+        </p:nvSpPr>
+        <p:spPr>
+          <a:xfrm>
+            <a:off x="8583758" y="3407606"/>
+            <a:ext cx="2484581" cy="410400"/>
+          </a:xfrm>
+          <a:prstGeom prst="rect">
+            <a:avLst/>
+          </a:prstGeom>
+          <a:solidFill>
+            <a:schemeClr val="accent6">
+              <a:lumMod val="20000"/>
+              <a:lumOff val="80000"/>
+            </a:schemeClr>
+          </a:solidFill>
+        </p:spPr>
+        <p:style>
+          <a:lnRef idx="2">
+            <a:schemeClr val="accent1">
+              <a:shade val="15000"/>
+            </a:schemeClr>
+          </a:lnRef>
+          <a:fillRef idx="1">
+            <a:schemeClr val="accent1"/>
+          </a:fillRef>
+          <a:effectRef idx="0">
+            <a:schemeClr val="accent1"/>
+          </a:effectRef>
+          <a:fontRef idx="minor">
+            <a:schemeClr val="lt1"/>
+          </a:fontRef>
+        </p:style>
+        <p:txBody>
+          <a:bodyPr rtlCol="0" anchor="ctr"/>
+          <a:lstStyle/>
+          <a:p>
+            <a:pPr algn="ctr"/>
+            <a:r>
+              <a:rPr lang="ko-KR" altLang="en-US" dirty="0">
+                <a:solidFill>
+                  <a:schemeClr val="tx1"/>
+                </a:solidFill>
+              </a:rPr>
+              <a:t>방법이 </a:t>
+            </a:r>
+            <a:r>
+              <a:rPr lang="en-US" altLang="ko-KR" dirty="0">
+                <a:solidFill>
+                  <a:schemeClr val="tx1"/>
+                </a:solidFill>
+              </a:rPr>
+              <a:t>3</a:t>
+            </a:r>
+            <a:r>
+              <a:rPr lang="ko-KR" altLang="en-US" dirty="0">
+                <a:solidFill>
+                  <a:schemeClr val="tx1"/>
+                </a:solidFill>
+              </a:rPr>
+              <a:t>일 시</a:t>
+            </a:r>
+          </a:p>
+        </p:txBody>
+      </p:sp>
+      <p:sp>
+        <p:nvSpPr>
+          <p:cNvPr id="162" name="직사각형 161">
+            <a:extLst>
+              <a:ext uri="{FF2B5EF4-FFF2-40B4-BE49-F238E27FC236}">
+                <a16:creationId xmlns:a16="http://schemas.microsoft.com/office/drawing/2014/main" id="{10027B55-1EBA-5347-C479-9A3A7323132B}"/>
+              </a:ext>
+            </a:extLst>
+          </p:cNvPr>
+          <p:cNvSpPr/>
+          <p:nvPr/>
+        </p:nvSpPr>
+        <p:spPr>
+          <a:xfrm>
+            <a:off x="8583757" y="5457627"/>
+            <a:ext cx="2484581" cy="410920"/>
+          </a:xfrm>
+          <a:prstGeom prst="rect">
+            <a:avLst/>
+          </a:prstGeom>
+          <a:solidFill>
+            <a:schemeClr val="bg1"/>
+          </a:solidFill>
+        </p:spPr>
+        <p:style>
+          <a:lnRef idx="2">
+            <a:schemeClr val="accent1">
+              <a:shade val="15000"/>
+            </a:schemeClr>
+          </a:lnRef>
+          <a:fillRef idx="1">
+            <a:schemeClr val="accent1"/>
+          </a:fillRef>
+          <a:effectRef idx="0">
+            <a:schemeClr val="accent1"/>
+          </a:effectRef>
+          <a:fontRef idx="minor">
+            <a:schemeClr val="lt1"/>
+          </a:fontRef>
+        </p:style>
+        <p:txBody>
+          <a:bodyPr rtlCol="0" anchor="ctr"/>
+          <a:lstStyle/>
+          <a:p>
+            <a:pPr algn="ctr"/>
+            <a:r>
+              <a:rPr lang="ko-KR" altLang="en-US" dirty="0" err="1">
+                <a:solidFill>
+                  <a:schemeClr val="tx1"/>
+                </a:solidFill>
+              </a:rPr>
+              <a:t>지수평활법</a:t>
+            </a:r>
+            <a:r>
+              <a:rPr lang="ko-KR" altLang="en-US" dirty="0">
+                <a:solidFill>
+                  <a:schemeClr val="tx1"/>
+                </a:solidFill>
+              </a:rPr>
+              <a:t> 계산</a:t>
+            </a:r>
+          </a:p>
+        </p:txBody>
+      </p:sp>
+      <p:sp>
+        <p:nvSpPr>
+          <p:cNvPr id="166" name="직사각형 165">
+            <a:extLst>
+              <a:ext uri="{FF2B5EF4-FFF2-40B4-BE49-F238E27FC236}">
+                <a16:creationId xmlns:a16="http://schemas.microsoft.com/office/drawing/2014/main" id="{EB46F6D4-524F-8931-D314-D6B5C9CE0CA0}"/>
+              </a:ext>
+            </a:extLst>
+          </p:cNvPr>
+          <p:cNvSpPr/>
+          <p:nvPr/>
+        </p:nvSpPr>
+        <p:spPr>
+          <a:xfrm>
+            <a:off x="8583758" y="3816676"/>
+            <a:ext cx="2484581" cy="410919"/>
+          </a:xfrm>
+          <a:prstGeom prst="rect">
+            <a:avLst/>
+          </a:prstGeom>
+          <a:solidFill>
+            <a:schemeClr val="accent1">
+              <a:lumMod val="20000"/>
+              <a:lumOff val="80000"/>
+            </a:schemeClr>
+          </a:solidFill>
+        </p:spPr>
+        <p:style>
+          <a:lnRef idx="2">
+            <a:schemeClr val="accent1">
+              <a:shade val="15000"/>
+            </a:schemeClr>
+          </a:lnRef>
+          <a:fillRef idx="1">
+            <a:schemeClr val="accent1"/>
+          </a:fillRef>
+          <a:effectRef idx="0">
+            <a:schemeClr val="accent1"/>
+          </a:effectRef>
+          <a:fontRef idx="minor">
+            <a:schemeClr val="lt1"/>
+          </a:fontRef>
+        </p:style>
+        <p:txBody>
+          <a:bodyPr rtlCol="0" anchor="ctr"/>
+          <a:lstStyle/>
+          <a:p>
+            <a:pPr algn="ctr"/>
+            <a:r>
+              <a:rPr lang="ko-KR" altLang="en-US" dirty="0">
+                <a:solidFill>
+                  <a:schemeClr val="tx1"/>
+                </a:solidFill>
+              </a:rPr>
+              <a:t>이번 수요 가중치 입력</a:t>
+            </a:r>
+          </a:p>
+        </p:txBody>
+      </p:sp>
+      <p:sp>
+        <p:nvSpPr>
+          <p:cNvPr id="167" name="직사각형 166">
+            <a:extLst>
+              <a:ext uri="{FF2B5EF4-FFF2-40B4-BE49-F238E27FC236}">
+                <a16:creationId xmlns:a16="http://schemas.microsoft.com/office/drawing/2014/main" id="{046B613D-D9F5-0BE4-84FE-9EFE810A694D}"/>
+              </a:ext>
+            </a:extLst>
+          </p:cNvPr>
+          <p:cNvSpPr/>
+          <p:nvPr/>
+        </p:nvSpPr>
+        <p:spPr>
+          <a:xfrm>
+            <a:off x="8580872" y="4232873"/>
+            <a:ext cx="2484581" cy="410400"/>
+          </a:xfrm>
+          <a:prstGeom prst="rect">
+            <a:avLst/>
+          </a:prstGeom>
+          <a:solidFill>
+            <a:schemeClr val="accent6">
+              <a:lumMod val="20000"/>
+              <a:lumOff val="80000"/>
+            </a:schemeClr>
+          </a:solidFill>
+        </p:spPr>
+        <p:style>
+          <a:lnRef idx="2">
+            <a:schemeClr val="accent1">
+              <a:shade val="15000"/>
+            </a:schemeClr>
+          </a:lnRef>
+          <a:fillRef idx="1">
+            <a:schemeClr val="accent1"/>
+          </a:fillRef>
+          <a:effectRef idx="0">
+            <a:schemeClr val="accent1"/>
+          </a:effectRef>
+          <a:fontRef idx="minor">
+            <a:schemeClr val="lt1"/>
+          </a:fontRef>
+        </p:style>
+        <p:txBody>
+          <a:bodyPr rtlCol="0" anchor="ctr"/>
+          <a:lstStyle/>
+          <a:p>
+            <a:pPr algn="ctr"/>
+            <a:r>
+              <a:rPr lang="ko-KR" altLang="en-US" dirty="0">
+                <a:solidFill>
+                  <a:schemeClr val="tx1"/>
+                </a:solidFill>
+              </a:rPr>
+              <a:t>범위 외의 값 입력 시</a:t>
+            </a:r>
+          </a:p>
+        </p:txBody>
+      </p:sp>
+      <p:cxnSp>
+        <p:nvCxnSpPr>
+          <p:cNvPr id="169" name="연결선: 꺾임 168">
+            <a:extLst>
+              <a:ext uri="{FF2B5EF4-FFF2-40B4-BE49-F238E27FC236}">
+                <a16:creationId xmlns:a16="http://schemas.microsoft.com/office/drawing/2014/main" id="{969C7506-7D5B-1787-3B53-FF06312B2CD3}"/>
+              </a:ext>
+            </a:extLst>
+          </p:cNvPr>
+          <p:cNvCxnSpPr>
+            <a:stCxn id="167" idx="3"/>
+            <a:endCxn id="166" idx="3"/>
+          </p:cNvCxnSpPr>
+          <p:nvPr/>
+        </p:nvCxnSpPr>
+        <p:spPr>
+          <a:xfrm flipV="1">
+            <a:off x="11065453" y="4022136"/>
+            <a:ext cx="2886" cy="415937"/>
+          </a:xfrm>
+          <a:prstGeom prst="bentConnector3">
+            <a:avLst>
+              <a:gd name="adj1" fmla="val 8020998"/>
+            </a:avLst>
+          </a:prstGeom>
+          <a:ln>
+            <a:solidFill>
+              <a:srgbClr val="FF0000"/>
+            </a:solidFill>
+            <a:tailEnd type="triangle"/>
+          </a:ln>
+        </p:spPr>
+        <p:style>
+          <a:lnRef idx="2">
+            <a:schemeClr val="accent1"/>
+          </a:lnRef>
+          <a:fillRef idx="0">
+            <a:schemeClr val="accent1"/>
+          </a:fillRef>
+          <a:effectRef idx="1">
+            <a:schemeClr val="accent1"/>
+          </a:effectRef>
+          <a:fontRef idx="minor">
+            <a:schemeClr val="tx1"/>
+          </a:fontRef>
+        </p:style>
+      </p:cxnSp>
+      <p:sp>
+        <p:nvSpPr>
+          <p:cNvPr id="171" name="직사각형 170">
+            <a:extLst>
+              <a:ext uri="{FF2B5EF4-FFF2-40B4-BE49-F238E27FC236}">
+                <a16:creationId xmlns:a16="http://schemas.microsoft.com/office/drawing/2014/main" id="{2B026DB5-A8FC-E969-D032-BBCCA6CCBCC6}"/>
+              </a:ext>
+            </a:extLst>
+          </p:cNvPr>
+          <p:cNvSpPr/>
+          <p:nvPr/>
+        </p:nvSpPr>
+        <p:spPr>
+          <a:xfrm>
+            <a:off x="8583758" y="4644225"/>
+            <a:ext cx="2484581" cy="410919"/>
+          </a:xfrm>
+          <a:prstGeom prst="rect">
+            <a:avLst/>
+          </a:prstGeom>
+          <a:solidFill>
+            <a:schemeClr val="accent1">
+              <a:lumMod val="20000"/>
+              <a:lumOff val="80000"/>
+            </a:schemeClr>
+          </a:solidFill>
+        </p:spPr>
+        <p:style>
+          <a:lnRef idx="2">
+            <a:schemeClr val="accent1">
+              <a:shade val="15000"/>
+            </a:schemeClr>
+          </a:lnRef>
+          <a:fillRef idx="1">
+            <a:schemeClr val="accent1"/>
+          </a:fillRef>
+          <a:effectRef idx="0">
+            <a:schemeClr val="accent1"/>
+          </a:effectRef>
+          <a:fontRef idx="minor">
+            <a:schemeClr val="lt1"/>
+          </a:fontRef>
+        </p:style>
+        <p:txBody>
+          <a:bodyPr rtlCol="0" anchor="ctr"/>
+          <a:lstStyle/>
+          <a:p>
+            <a:pPr algn="ctr"/>
+            <a:r>
+              <a:rPr lang="ko-KR" altLang="en-US" dirty="0">
+                <a:solidFill>
+                  <a:schemeClr val="tx1"/>
+                </a:solidFill>
+              </a:rPr>
+              <a:t>이번 예측 수요 입력</a:t>
+            </a:r>
+          </a:p>
+        </p:txBody>
+      </p:sp>
+      <p:sp>
+        <p:nvSpPr>
+          <p:cNvPr id="172" name="직사각형 171">
+            <a:extLst>
+              <a:ext uri="{FF2B5EF4-FFF2-40B4-BE49-F238E27FC236}">
+                <a16:creationId xmlns:a16="http://schemas.microsoft.com/office/drawing/2014/main" id="{74FA99AA-C8DB-9DFC-0933-9B90B75D74E0}"/>
+              </a:ext>
+            </a:extLst>
+          </p:cNvPr>
+          <p:cNvSpPr/>
+          <p:nvPr/>
+        </p:nvSpPr>
+        <p:spPr>
+          <a:xfrm>
+            <a:off x="8580872" y="5051186"/>
+            <a:ext cx="2484581" cy="410400"/>
+          </a:xfrm>
+          <a:prstGeom prst="rect">
+            <a:avLst/>
+          </a:prstGeom>
+          <a:solidFill>
+            <a:schemeClr val="accent6">
+              <a:lumMod val="20000"/>
+              <a:lumOff val="80000"/>
+            </a:schemeClr>
+          </a:solidFill>
+        </p:spPr>
+        <p:style>
+          <a:lnRef idx="2">
+            <a:schemeClr val="accent1">
+              <a:shade val="15000"/>
+            </a:schemeClr>
+          </a:lnRef>
+          <a:fillRef idx="1">
+            <a:schemeClr val="accent1"/>
+          </a:fillRef>
+          <a:effectRef idx="0">
+            <a:schemeClr val="accent1"/>
+          </a:effectRef>
+          <a:fontRef idx="minor">
+            <a:schemeClr val="lt1"/>
+          </a:fontRef>
+        </p:style>
+        <p:txBody>
+          <a:bodyPr rtlCol="0" anchor="ctr"/>
+          <a:lstStyle/>
+          <a:p>
+            <a:pPr algn="ctr"/>
+            <a:r>
+              <a:rPr lang="ko-KR" altLang="en-US" dirty="0">
+                <a:solidFill>
+                  <a:schemeClr val="tx1"/>
+                </a:solidFill>
+              </a:rPr>
+              <a:t>음수 입력 시</a:t>
+            </a:r>
+          </a:p>
+        </p:txBody>
+      </p:sp>
+      <p:cxnSp>
+        <p:nvCxnSpPr>
+          <p:cNvPr id="174" name="연결선: 꺾임 173">
+            <a:extLst>
+              <a:ext uri="{FF2B5EF4-FFF2-40B4-BE49-F238E27FC236}">
+                <a16:creationId xmlns:a16="http://schemas.microsoft.com/office/drawing/2014/main" id="{A7D0BDB5-39B8-8746-331E-3890688D3968}"/>
+              </a:ext>
+            </a:extLst>
+          </p:cNvPr>
+          <p:cNvCxnSpPr>
+            <a:stCxn id="172" idx="3"/>
+            <a:endCxn id="171" idx="3"/>
+          </p:cNvCxnSpPr>
+          <p:nvPr/>
+        </p:nvCxnSpPr>
+        <p:spPr>
+          <a:xfrm flipV="1">
+            <a:off x="11065453" y="4849685"/>
+            <a:ext cx="2886" cy="406701"/>
+          </a:xfrm>
+          <a:prstGeom prst="bentConnector3">
+            <a:avLst>
+              <a:gd name="adj1" fmla="val 8020998"/>
+            </a:avLst>
+          </a:prstGeom>
+          <a:ln>
+            <a:solidFill>
+              <a:srgbClr val="FF0000"/>
+            </a:solidFill>
+            <a:tailEnd type="triangle"/>
+          </a:ln>
+        </p:spPr>
+        <p:style>
+          <a:lnRef idx="2">
+            <a:schemeClr val="accent1"/>
+          </a:lnRef>
+          <a:fillRef idx="0">
+            <a:schemeClr val="accent1"/>
+          </a:fillRef>
+          <a:effectRef idx="1">
+            <a:schemeClr val="accent1"/>
+          </a:effectRef>
+          <a:fontRef idx="minor">
+            <a:schemeClr val="tx1"/>
+          </a:fontRef>
+        </p:style>
+      </p:cxnSp>
+      <p:sp>
+        <p:nvSpPr>
+          <p:cNvPr id="195" name="직사각형 194">
+            <a:extLst>
+              <a:ext uri="{FF2B5EF4-FFF2-40B4-BE49-F238E27FC236}">
+                <a16:creationId xmlns:a16="http://schemas.microsoft.com/office/drawing/2014/main" id="{816BDF00-70E3-8653-479F-99DEA07F95BC}"/>
+              </a:ext>
+            </a:extLst>
+          </p:cNvPr>
+          <p:cNvSpPr/>
+          <p:nvPr/>
+        </p:nvSpPr>
+        <p:spPr>
+          <a:xfrm>
+            <a:off x="4457074" y="6278811"/>
+            <a:ext cx="2484581" cy="410920"/>
+          </a:xfrm>
+          <a:prstGeom prst="rect">
+            <a:avLst/>
+          </a:prstGeom>
+          <a:solidFill>
+            <a:schemeClr val="bg1"/>
+          </a:solidFill>
+        </p:spPr>
+        <p:style>
+          <a:lnRef idx="2">
+            <a:schemeClr val="accent1">
+              <a:shade val="15000"/>
+            </a:schemeClr>
+          </a:lnRef>
+          <a:fillRef idx="1">
+            <a:schemeClr val="accent1"/>
+          </a:fillRef>
+          <a:effectRef idx="0">
+            <a:schemeClr val="accent1"/>
+          </a:effectRef>
+          <a:fontRef idx="minor">
+            <a:schemeClr val="lt1"/>
+          </a:fontRef>
+        </p:style>
+        <p:txBody>
+          <a:bodyPr rtlCol="0" anchor="ctr"/>
+          <a:lstStyle/>
+          <a:p>
+            <a:pPr algn="ctr"/>
+            <a:r>
+              <a:rPr lang="ko-KR" altLang="en-US" dirty="0">
+                <a:solidFill>
+                  <a:schemeClr val="tx1"/>
+                </a:solidFill>
+              </a:rPr>
+              <a:t>계산 결과 반환</a:t>
+            </a:r>
+          </a:p>
+        </p:txBody>
+      </p:sp>
+      <p:cxnSp>
+        <p:nvCxnSpPr>
+          <p:cNvPr id="197" name="연결선: 꺾임 196">
+            <a:extLst>
+              <a:ext uri="{FF2B5EF4-FFF2-40B4-BE49-F238E27FC236}">
+                <a16:creationId xmlns:a16="http://schemas.microsoft.com/office/drawing/2014/main" id="{46373533-F12D-6952-71D0-753E5E659576}"/>
+              </a:ext>
+            </a:extLst>
+          </p:cNvPr>
+          <p:cNvCxnSpPr>
+            <a:stCxn id="99" idx="2"/>
+            <a:endCxn id="195" idx="1"/>
+          </p:cNvCxnSpPr>
+          <p:nvPr/>
+        </p:nvCxnSpPr>
+        <p:spPr>
+          <a:xfrm rot="16200000" flipH="1">
+            <a:off x="1883902" y="3911099"/>
+            <a:ext cx="2254984" cy="2891360"/>
+          </a:xfrm>
+          <a:prstGeom prst="bentConnector2">
             <a:avLst/>
           </a:prstGeom>
           <a:ln>
+            <a:solidFill>
+              <a:srgbClr val="00B050"/>
+            </a:solidFill>
             <a:tailEnd type="triangle"/>
           </a:ln>
         </p:spPr>
@@ -3843,331 +5775,30 @@
       </p:cxnSp>
       <p:cxnSp>
         <p:nvCxnSpPr>
-          <p:cNvPr id="21" name="직선 화살표 연결선 20">
-            <a:extLst>
-              <a:ext uri="{FF2B5EF4-FFF2-40B4-BE49-F238E27FC236}">
-                <a16:creationId xmlns:a16="http://schemas.microsoft.com/office/drawing/2014/main" id="{EEFD3052-D988-40C1-D97A-E3E80A048873}"/>
+          <p:cNvPr id="199" name="연결선: 꺾임 198">
+            <a:extLst>
+              <a:ext uri="{FF2B5EF4-FFF2-40B4-BE49-F238E27FC236}">
+                <a16:creationId xmlns:a16="http://schemas.microsoft.com/office/drawing/2014/main" id="{F7DC4E10-E268-761F-0300-12A0F73094A4}"/>
               </a:ext>
             </a:extLst>
           </p:cNvPr>
           <p:cNvCxnSpPr>
-            <a:stCxn id="6" idx="3"/>
-            <a:endCxn id="9" idx="1"/>
+            <a:stCxn id="162" idx="2"/>
           </p:cNvCxnSpPr>
           <p:nvPr/>
         </p:nvCxnSpPr>
         <p:spPr>
-          <a:xfrm flipV="1">
-            <a:off x="2212258" y="3780322"/>
-            <a:ext cx="401633" cy="1"/>
-          </a:xfrm>
-          <a:prstGeom prst="straightConnector1">
+          <a:xfrm rot="5400000">
+            <a:off x="8075990" y="4734213"/>
+            <a:ext cx="615724" cy="2884393"/>
+          </a:xfrm>
+          <a:prstGeom prst="bentConnector2">
             <a:avLst/>
           </a:prstGeom>
           <a:ln>
-            <a:tailEnd type="triangle"/>
-          </a:ln>
-        </p:spPr>
-        <p:style>
-          <a:lnRef idx="2">
-            <a:schemeClr val="accent1"/>
-          </a:lnRef>
-          <a:fillRef idx="0">
-            <a:schemeClr val="accent1"/>
-          </a:fillRef>
-          <a:effectRef idx="1">
-            <a:schemeClr val="accent1"/>
-          </a:effectRef>
-          <a:fontRef idx="minor">
-            <a:schemeClr val="tx1"/>
-          </a:fontRef>
-        </p:style>
-      </p:cxnSp>
-      <p:sp>
-        <p:nvSpPr>
-          <p:cNvPr id="29" name="다이아몬드 28">
-            <a:extLst>
-              <a:ext uri="{FF2B5EF4-FFF2-40B4-BE49-F238E27FC236}">
-                <a16:creationId xmlns:a16="http://schemas.microsoft.com/office/drawing/2014/main" id="{CA15DFF0-A94B-9B66-CF71-4BE3D88E8B69}"/>
-              </a:ext>
-            </a:extLst>
-          </p:cNvPr>
-          <p:cNvSpPr/>
-          <p:nvPr/>
-        </p:nvSpPr>
-        <p:spPr>
-          <a:xfrm>
-            <a:off x="5227781" y="0"/>
-            <a:ext cx="2212258" cy="830015"/>
-          </a:xfrm>
-          <a:prstGeom prst="diamond">
-            <a:avLst/>
-          </a:prstGeom>
-          <a:solidFill>
-            <a:schemeClr val="bg1"/>
-          </a:solidFill>
-        </p:spPr>
-        <p:style>
-          <a:lnRef idx="2">
-            <a:schemeClr val="accent1">
-              <a:shade val="15000"/>
-            </a:schemeClr>
-          </a:lnRef>
-          <a:fillRef idx="1">
-            <a:schemeClr val="accent1"/>
-          </a:fillRef>
-          <a:effectRef idx="0">
-            <a:schemeClr val="accent1"/>
-          </a:effectRef>
-          <a:fontRef idx="minor">
-            <a:schemeClr val="lt1"/>
-          </a:fontRef>
-        </p:style>
-        <p:txBody>
-          <a:bodyPr rtlCol="0" anchor="ctr"/>
-          <a:lstStyle/>
-          <a:p>
-            <a:pPr algn="ctr"/>
-            <a:r>
-              <a:rPr lang="ko-KR" altLang="en-US" dirty="0">
-                <a:solidFill>
-                  <a:schemeClr val="tx1"/>
-                </a:solidFill>
-              </a:rPr>
-              <a:t>공백 입력 </a:t>
-            </a:r>
-            <a:r>
-              <a:rPr lang="en-US" altLang="ko-KR" dirty="0">
-                <a:solidFill>
-                  <a:schemeClr val="tx1"/>
-                </a:solidFill>
-              </a:rPr>
-              <a:t>X</a:t>
-            </a:r>
-            <a:endParaRPr lang="ko-KR" altLang="en-US" dirty="0">
-              <a:solidFill>
-                <a:schemeClr val="tx1"/>
-              </a:solidFill>
-            </a:endParaRPr>
-          </a:p>
-        </p:txBody>
-      </p:sp>
-      <p:sp>
-        <p:nvSpPr>
-          <p:cNvPr id="36" name="직사각형 35">
-            <a:extLst>
-              <a:ext uri="{FF2B5EF4-FFF2-40B4-BE49-F238E27FC236}">
-                <a16:creationId xmlns:a16="http://schemas.microsoft.com/office/drawing/2014/main" id="{C34AD5BA-B8C6-5B54-FF70-0B53C09D0643}"/>
-              </a:ext>
-            </a:extLst>
-          </p:cNvPr>
-          <p:cNvSpPr/>
-          <p:nvPr/>
-        </p:nvSpPr>
-        <p:spPr>
-          <a:xfrm>
-            <a:off x="5227780" y="1108799"/>
-            <a:ext cx="2212258" cy="830015"/>
-          </a:xfrm>
-          <a:prstGeom prst="rect">
-            <a:avLst/>
-          </a:prstGeom>
-          <a:solidFill>
-            <a:schemeClr val="bg1"/>
-          </a:solidFill>
-        </p:spPr>
-        <p:style>
-          <a:lnRef idx="2">
-            <a:schemeClr val="accent1">
-              <a:shade val="15000"/>
-            </a:schemeClr>
-          </a:lnRef>
-          <a:fillRef idx="1">
-            <a:schemeClr val="accent1"/>
-          </a:fillRef>
-          <a:effectRef idx="0">
-            <a:schemeClr val="accent1"/>
-          </a:effectRef>
-          <a:fontRef idx="minor">
-            <a:schemeClr val="lt1"/>
-          </a:fontRef>
-        </p:style>
-        <p:txBody>
-          <a:bodyPr rtlCol="0" anchor="ctr"/>
-          <a:lstStyle/>
-          <a:p>
-            <a:pPr algn="ctr"/>
-            <a:r>
-              <a:rPr lang="ko-KR" altLang="en-US" dirty="0">
-                <a:solidFill>
-                  <a:schemeClr val="tx1"/>
-                </a:solidFill>
-              </a:rPr>
-              <a:t>수요 계속 입력</a:t>
-            </a:r>
-          </a:p>
-        </p:txBody>
-      </p:sp>
-      <p:sp>
-        <p:nvSpPr>
-          <p:cNvPr id="61" name="다이아몬드 60">
-            <a:extLst>
-              <a:ext uri="{FF2B5EF4-FFF2-40B4-BE49-F238E27FC236}">
-                <a16:creationId xmlns:a16="http://schemas.microsoft.com/office/drawing/2014/main" id="{A2B3ADFF-CAFF-A08F-27EF-D423734E2A98}"/>
-              </a:ext>
-            </a:extLst>
-          </p:cNvPr>
-          <p:cNvSpPr/>
-          <p:nvPr/>
-        </p:nvSpPr>
-        <p:spPr>
-          <a:xfrm>
-            <a:off x="2652922" y="2234675"/>
-            <a:ext cx="2212258" cy="830015"/>
-          </a:xfrm>
-          <a:prstGeom prst="diamond">
-            <a:avLst/>
-          </a:prstGeom>
-          <a:solidFill>
-            <a:schemeClr val="bg1"/>
-          </a:solidFill>
-        </p:spPr>
-        <p:style>
-          <a:lnRef idx="2">
-            <a:schemeClr val="accent1">
-              <a:shade val="15000"/>
-            </a:schemeClr>
-          </a:lnRef>
-          <a:fillRef idx="1">
-            <a:schemeClr val="accent1"/>
-          </a:fillRef>
-          <a:effectRef idx="0">
-            <a:schemeClr val="accent1"/>
-          </a:effectRef>
-          <a:fontRef idx="minor">
-            <a:schemeClr val="lt1"/>
-          </a:fontRef>
-        </p:style>
-        <p:txBody>
-          <a:bodyPr rtlCol="0" anchor="ctr"/>
-          <a:lstStyle/>
-          <a:p>
-            <a:pPr algn="ctr"/>
-            <a:r>
-              <a:rPr lang="en-US" altLang="ko-KR" dirty="0">
-                <a:solidFill>
-                  <a:schemeClr val="tx1"/>
-                </a:solidFill>
-              </a:rPr>
-              <a:t>1, 2, 3 </a:t>
-            </a:r>
-            <a:r>
-              <a:rPr lang="ko-KR" altLang="en-US" dirty="0">
-                <a:solidFill>
-                  <a:schemeClr val="tx1"/>
-                </a:solidFill>
-              </a:rPr>
-              <a:t>전부</a:t>
-            </a:r>
-            <a:r>
-              <a:rPr lang="en-US" altLang="ko-KR" dirty="0">
-                <a:solidFill>
-                  <a:schemeClr val="tx1"/>
-                </a:solidFill>
-              </a:rPr>
-              <a:t> </a:t>
-            </a:r>
-            <a:r>
-              <a:rPr lang="ko-KR" altLang="en-US" dirty="0">
-                <a:solidFill>
-                  <a:schemeClr val="tx1"/>
-                </a:solidFill>
-              </a:rPr>
-              <a:t>아니면</a:t>
-            </a:r>
-          </a:p>
-        </p:txBody>
-      </p:sp>
-      <p:sp>
-        <p:nvSpPr>
-          <p:cNvPr id="64" name="직사각형 63">
-            <a:extLst>
-              <a:ext uri="{FF2B5EF4-FFF2-40B4-BE49-F238E27FC236}">
-                <a16:creationId xmlns:a16="http://schemas.microsoft.com/office/drawing/2014/main" id="{14D2E514-8EE1-3DB2-0530-FC46928A7517}"/>
-              </a:ext>
-            </a:extLst>
-          </p:cNvPr>
-          <p:cNvSpPr/>
-          <p:nvPr/>
-        </p:nvSpPr>
-        <p:spPr>
-          <a:xfrm>
-            <a:off x="5227781" y="2234674"/>
-            <a:ext cx="2212258" cy="830015"/>
-          </a:xfrm>
-          <a:prstGeom prst="rect">
-            <a:avLst/>
-          </a:prstGeom>
-          <a:solidFill>
-            <a:schemeClr val="bg1"/>
-          </a:solidFill>
-        </p:spPr>
-        <p:style>
-          <a:lnRef idx="2">
-            <a:schemeClr val="accent1">
-              <a:shade val="15000"/>
-            </a:schemeClr>
-          </a:lnRef>
-          <a:fillRef idx="1">
-            <a:schemeClr val="accent1"/>
-          </a:fillRef>
-          <a:effectRef idx="0">
-            <a:schemeClr val="accent1"/>
-          </a:effectRef>
-          <a:fontRef idx="minor">
-            <a:schemeClr val="lt1"/>
-          </a:fontRef>
-        </p:style>
-        <p:txBody>
-          <a:bodyPr rtlCol="0" anchor="ctr"/>
-          <a:lstStyle/>
-          <a:p>
-            <a:pPr algn="ctr"/>
-            <a:r>
-              <a:rPr lang="ko-KR" altLang="en-US" dirty="0">
-                <a:solidFill>
-                  <a:schemeClr val="tx1"/>
-                </a:solidFill>
-              </a:rPr>
-              <a:t>방법 재입력</a:t>
-            </a:r>
-          </a:p>
-        </p:txBody>
-      </p:sp>
-      <p:cxnSp>
-        <p:nvCxnSpPr>
-          <p:cNvPr id="68" name="직선 화살표 연결선 67">
-            <a:extLst>
-              <a:ext uri="{FF2B5EF4-FFF2-40B4-BE49-F238E27FC236}">
-                <a16:creationId xmlns:a16="http://schemas.microsoft.com/office/drawing/2014/main" id="{0D4FF904-90D8-B99B-515B-B28311B2E441}"/>
-              </a:ext>
-            </a:extLst>
-          </p:cNvPr>
-          <p:cNvCxnSpPr>
-            <a:stCxn id="5" idx="3"/>
-            <a:endCxn id="61" idx="1"/>
-          </p:cNvCxnSpPr>
-          <p:nvPr/>
-        </p:nvCxnSpPr>
-        <p:spPr>
-          <a:xfrm flipV="1">
-            <a:off x="2212258" y="2649683"/>
-            <a:ext cx="440664" cy="4764"/>
-          </a:xfrm>
-          <a:prstGeom prst="straightConnector1">
-            <a:avLst/>
-          </a:prstGeom>
-          <a:ln>
+            <a:solidFill>
+              <a:srgbClr val="00B050"/>
+            </a:solidFill>
             <a:tailEnd type="triangle"/>
           </a:ln>
         </p:spPr>
@@ -4188,28 +5819,31 @@
       </p:cxnSp>
       <p:cxnSp>
         <p:nvCxnSpPr>
-          <p:cNvPr id="72" name="직선 화살표 연결선 71">
-            <a:extLst>
-              <a:ext uri="{FF2B5EF4-FFF2-40B4-BE49-F238E27FC236}">
-                <a16:creationId xmlns:a16="http://schemas.microsoft.com/office/drawing/2014/main" id="{83C3A7C1-06F6-9425-9DDB-2D9EA1C5BD39}"/>
+          <p:cNvPr id="201" name="연결선: 꺾임 200">
+            <a:extLst>
+              <a:ext uri="{FF2B5EF4-FFF2-40B4-BE49-F238E27FC236}">
+                <a16:creationId xmlns:a16="http://schemas.microsoft.com/office/drawing/2014/main" id="{1FC69D8E-A3C0-055A-E567-831171EC0EDC}"/>
               </a:ext>
             </a:extLst>
           </p:cNvPr>
           <p:cNvCxnSpPr>
-            <a:stCxn id="61" idx="3"/>
-            <a:endCxn id="64" idx="1"/>
+            <a:stCxn id="92" idx="2"/>
+            <a:endCxn id="96" idx="0"/>
           </p:cNvCxnSpPr>
           <p:nvPr/>
         </p:nvCxnSpPr>
         <p:spPr>
-          <a:xfrm flipV="1">
-            <a:off x="4865180" y="2649682"/>
-            <a:ext cx="362601" cy="1"/>
-          </a:xfrm>
-          <a:prstGeom prst="straightConnector1">
+          <a:xfrm rot="16200000" flipH="1">
+            <a:off x="3526047" y="817279"/>
+            <a:ext cx="208056" cy="4128723"/>
+          </a:xfrm>
+          <a:prstGeom prst="bentConnector3">
             <a:avLst/>
           </a:prstGeom>
           <a:ln>
+            <a:solidFill>
+              <a:srgbClr val="7030A0"/>
+            </a:solidFill>
             <a:tailEnd type="triangle"/>
           </a:ln>
         </p:spPr>
@@ -4230,464 +5864,31 @@
       </p:cxnSp>
       <p:cxnSp>
         <p:nvCxnSpPr>
-          <p:cNvPr id="79" name="연결선: 꺾임 78">
-            <a:extLst>
-              <a:ext uri="{FF2B5EF4-FFF2-40B4-BE49-F238E27FC236}">
-                <a16:creationId xmlns:a16="http://schemas.microsoft.com/office/drawing/2014/main" id="{367FF306-79EC-DAC6-D8B8-E8FD16D61A1C}"/>
+          <p:cNvPr id="203" name="연결선: 꺾임 202">
+            <a:extLst>
+              <a:ext uri="{FF2B5EF4-FFF2-40B4-BE49-F238E27FC236}">
+                <a16:creationId xmlns:a16="http://schemas.microsoft.com/office/drawing/2014/main" id="{218EB73C-7BD0-CBDF-0C75-4B3B0B8A7399}"/>
               </a:ext>
             </a:extLst>
           </p:cNvPr>
           <p:cNvCxnSpPr>
-            <a:cxnSpLocks/>
-            <a:stCxn id="64" idx="2"/>
-            <a:endCxn id="61" idx="1"/>
+            <a:stCxn id="94" idx="2"/>
+            <a:endCxn id="96" idx="0"/>
           </p:cNvCxnSpPr>
           <p:nvPr/>
         </p:nvCxnSpPr>
         <p:spPr>
-          <a:xfrm rot="5400000" flipH="1">
-            <a:off x="4285913" y="1016692"/>
-            <a:ext cx="415006" cy="3680988"/>
-          </a:xfrm>
-          <a:prstGeom prst="bentConnector4">
-            <a:avLst>
-              <a:gd name="adj1" fmla="val -55084"/>
-              <a:gd name="adj2" fmla="val 106210"/>
-            </a:avLst>
-          </a:prstGeom>
-          <a:ln>
-            <a:tailEnd type="triangle"/>
-          </a:ln>
-        </p:spPr>
-        <p:style>
-          <a:lnRef idx="2">
-            <a:schemeClr val="accent1"/>
-          </a:lnRef>
-          <a:fillRef idx="0">
-            <a:schemeClr val="accent1"/>
-          </a:fillRef>
-          <a:effectRef idx="1">
-            <a:schemeClr val="accent1"/>
-          </a:effectRef>
-          <a:fontRef idx="minor">
-            <a:schemeClr val="tx1"/>
-          </a:fontRef>
-        </p:style>
-      </p:cxnSp>
-      <p:sp>
-        <p:nvSpPr>
-          <p:cNvPr id="83" name="다이아몬드 82">
-            <a:extLst>
-              <a:ext uri="{FF2B5EF4-FFF2-40B4-BE49-F238E27FC236}">
-                <a16:creationId xmlns:a16="http://schemas.microsoft.com/office/drawing/2014/main" id="{1C08BDAB-EE76-6425-0ED7-A28891DD29AC}"/>
-              </a:ext>
-            </a:extLst>
-          </p:cNvPr>
-          <p:cNvSpPr/>
-          <p:nvPr/>
-        </p:nvSpPr>
-        <p:spPr>
-          <a:xfrm>
-            <a:off x="2652922" y="1"/>
-            <a:ext cx="2212258" cy="830015"/>
-          </a:xfrm>
-          <a:prstGeom prst="diamond">
-            <a:avLst/>
-          </a:prstGeom>
-          <a:solidFill>
-            <a:schemeClr val="bg1"/>
-          </a:solidFill>
-        </p:spPr>
-        <p:style>
-          <a:lnRef idx="2">
-            <a:schemeClr val="accent1">
-              <a:shade val="15000"/>
-            </a:schemeClr>
-          </a:lnRef>
-          <a:fillRef idx="1">
-            <a:schemeClr val="accent1"/>
-          </a:fillRef>
-          <a:effectRef idx="0">
-            <a:schemeClr val="accent1"/>
-          </a:effectRef>
-          <a:fontRef idx="minor">
-            <a:schemeClr val="lt1"/>
-          </a:fontRef>
-        </p:style>
-        <p:txBody>
-          <a:bodyPr rtlCol="0" anchor="ctr"/>
-          <a:lstStyle/>
-          <a:p>
-            <a:pPr algn="ctr"/>
-            <a:r>
-              <a:rPr lang="ko-KR" altLang="en-US" dirty="0">
-                <a:solidFill>
-                  <a:schemeClr val="tx1"/>
-                </a:solidFill>
-              </a:rPr>
-              <a:t>문자열 </a:t>
-            </a:r>
-            <a:r>
-              <a:rPr lang="en-US" altLang="ko-KR" dirty="0">
-                <a:solidFill>
-                  <a:schemeClr val="tx1"/>
-                </a:solidFill>
-              </a:rPr>
-              <a:t>or</a:t>
-            </a:r>
-            <a:r>
-              <a:rPr lang="ko-KR" altLang="en-US" dirty="0">
-                <a:solidFill>
-                  <a:schemeClr val="tx1"/>
-                </a:solidFill>
-              </a:rPr>
-              <a:t> 음수 입력 시</a:t>
-            </a:r>
-          </a:p>
-        </p:txBody>
-      </p:sp>
-      <p:sp>
-        <p:nvSpPr>
-          <p:cNvPr id="84" name="직사각형 83">
-            <a:extLst>
-              <a:ext uri="{FF2B5EF4-FFF2-40B4-BE49-F238E27FC236}">
-                <a16:creationId xmlns:a16="http://schemas.microsoft.com/office/drawing/2014/main" id="{50A0107E-C5DB-BDE4-7657-3B871ABE6ABD}"/>
-              </a:ext>
-            </a:extLst>
-          </p:cNvPr>
-          <p:cNvSpPr/>
-          <p:nvPr/>
-        </p:nvSpPr>
-        <p:spPr>
-          <a:xfrm>
-            <a:off x="2613890" y="1104033"/>
-            <a:ext cx="2212258" cy="830015"/>
-          </a:xfrm>
-          <a:prstGeom prst="rect">
-            <a:avLst/>
-          </a:prstGeom>
-          <a:solidFill>
-            <a:schemeClr val="bg1"/>
-          </a:solidFill>
-        </p:spPr>
-        <p:style>
-          <a:lnRef idx="2">
-            <a:schemeClr val="accent1">
-              <a:shade val="15000"/>
-            </a:schemeClr>
-          </a:lnRef>
-          <a:fillRef idx="1">
-            <a:schemeClr val="accent1"/>
-          </a:fillRef>
-          <a:effectRef idx="0">
-            <a:schemeClr val="accent1"/>
-          </a:effectRef>
-          <a:fontRef idx="minor">
-            <a:schemeClr val="lt1"/>
-          </a:fontRef>
-        </p:style>
-        <p:txBody>
-          <a:bodyPr rtlCol="0" anchor="ctr"/>
-          <a:lstStyle/>
-          <a:p>
-            <a:pPr algn="ctr"/>
-            <a:r>
-              <a:rPr lang="ko-KR" altLang="en-US" dirty="0">
-                <a:solidFill>
-                  <a:schemeClr val="tx1"/>
-                </a:solidFill>
-              </a:rPr>
-              <a:t>수요 재입력</a:t>
-            </a:r>
-          </a:p>
-        </p:txBody>
-      </p:sp>
-      <p:cxnSp>
-        <p:nvCxnSpPr>
-          <p:cNvPr id="86" name="직선 화살표 연결선 85">
-            <a:extLst>
-              <a:ext uri="{FF2B5EF4-FFF2-40B4-BE49-F238E27FC236}">
-                <a16:creationId xmlns:a16="http://schemas.microsoft.com/office/drawing/2014/main" id="{1058CA32-0C98-D17F-AFF1-88D5C45D1BCD}"/>
-              </a:ext>
-            </a:extLst>
-          </p:cNvPr>
-          <p:cNvCxnSpPr>
-            <a:stCxn id="4" idx="3"/>
-            <a:endCxn id="83" idx="1"/>
-          </p:cNvCxnSpPr>
-          <p:nvPr/>
-        </p:nvCxnSpPr>
-        <p:spPr>
-          <a:xfrm>
-            <a:off x="2212258" y="415008"/>
-            <a:ext cx="440664" cy="1"/>
-          </a:xfrm>
-          <a:prstGeom prst="straightConnector1">
+          <a:xfrm rot="5400000">
+            <a:off x="6201957" y="1849337"/>
+            <a:ext cx="628813" cy="1643851"/>
+          </a:xfrm>
+          <a:prstGeom prst="bentConnector3">
             <a:avLst/>
           </a:prstGeom>
           <a:ln>
-            <a:tailEnd type="triangle"/>
-          </a:ln>
-        </p:spPr>
-        <p:style>
-          <a:lnRef idx="2">
-            <a:schemeClr val="accent1"/>
-          </a:lnRef>
-          <a:fillRef idx="0">
-            <a:schemeClr val="accent1"/>
-          </a:fillRef>
-          <a:effectRef idx="1">
-            <a:schemeClr val="accent1"/>
-          </a:effectRef>
-          <a:fontRef idx="minor">
-            <a:schemeClr val="tx1"/>
-          </a:fontRef>
-        </p:style>
-      </p:cxnSp>
-      <p:cxnSp>
-        <p:nvCxnSpPr>
-          <p:cNvPr id="90" name="연결선: 꺾임 89">
-            <a:extLst>
-              <a:ext uri="{FF2B5EF4-FFF2-40B4-BE49-F238E27FC236}">
-                <a16:creationId xmlns:a16="http://schemas.microsoft.com/office/drawing/2014/main" id="{C4963A49-AC22-1B34-A601-19701145E29D}"/>
-              </a:ext>
-            </a:extLst>
-          </p:cNvPr>
-          <p:cNvCxnSpPr>
-            <a:cxnSpLocks/>
-            <a:stCxn id="84" idx="2"/>
-            <a:endCxn id="83" idx="1"/>
-          </p:cNvCxnSpPr>
-          <p:nvPr/>
-        </p:nvCxnSpPr>
-        <p:spPr>
-          <a:xfrm rot="5400000" flipH="1">
-            <a:off x="2426951" y="640981"/>
-            <a:ext cx="1519039" cy="1067097"/>
-          </a:xfrm>
-          <a:prstGeom prst="bentConnector4">
-            <a:avLst>
-              <a:gd name="adj1" fmla="val -15049"/>
-              <a:gd name="adj2" fmla="val 125080"/>
-            </a:avLst>
-          </a:prstGeom>
-          <a:ln>
-            <a:tailEnd type="triangle"/>
-          </a:ln>
-        </p:spPr>
-        <p:style>
-          <a:lnRef idx="2">
-            <a:schemeClr val="accent1"/>
-          </a:lnRef>
-          <a:fillRef idx="0">
-            <a:schemeClr val="accent1"/>
-          </a:fillRef>
-          <a:effectRef idx="1">
-            <a:schemeClr val="accent1"/>
-          </a:effectRef>
-          <a:fontRef idx="minor">
-            <a:schemeClr val="tx1"/>
-          </a:fontRef>
-        </p:style>
-      </p:cxnSp>
-      <p:cxnSp>
-        <p:nvCxnSpPr>
-          <p:cNvPr id="105" name="직선 화살표 연결선 104">
-            <a:extLst>
-              <a:ext uri="{FF2B5EF4-FFF2-40B4-BE49-F238E27FC236}">
-                <a16:creationId xmlns:a16="http://schemas.microsoft.com/office/drawing/2014/main" id="{F4865110-023E-EB19-0166-AC3C5E87419D}"/>
-              </a:ext>
-            </a:extLst>
-          </p:cNvPr>
-          <p:cNvCxnSpPr>
-            <a:stCxn id="83" idx="2"/>
-            <a:endCxn id="84" idx="0"/>
-          </p:cNvCxnSpPr>
-          <p:nvPr/>
-        </p:nvCxnSpPr>
-        <p:spPr>
-          <a:xfrm>
-            <a:off x="3759051" y="830016"/>
-            <a:ext cx="0" cy="274017"/>
-          </a:xfrm>
-          <a:prstGeom prst="straightConnector1">
-            <a:avLst/>
-          </a:prstGeom>
-          <a:ln>
-            <a:tailEnd type="triangle"/>
-          </a:ln>
-        </p:spPr>
-        <p:style>
-          <a:lnRef idx="2">
-            <a:schemeClr val="accent1"/>
-          </a:lnRef>
-          <a:fillRef idx="0">
-            <a:schemeClr val="accent1"/>
-          </a:fillRef>
-          <a:effectRef idx="1">
-            <a:schemeClr val="accent1"/>
-          </a:effectRef>
-          <a:fontRef idx="minor">
-            <a:schemeClr val="tx1"/>
-          </a:fontRef>
-        </p:style>
-      </p:cxnSp>
-      <p:cxnSp>
-        <p:nvCxnSpPr>
-          <p:cNvPr id="107" name="직선 화살표 연결선 106">
-            <a:extLst>
-              <a:ext uri="{FF2B5EF4-FFF2-40B4-BE49-F238E27FC236}">
-                <a16:creationId xmlns:a16="http://schemas.microsoft.com/office/drawing/2014/main" id="{6BC5C20E-1C4D-BBC1-9AAF-71CF74CDEB16}"/>
-              </a:ext>
-            </a:extLst>
-          </p:cNvPr>
-          <p:cNvCxnSpPr>
-            <a:stCxn id="83" idx="3"/>
-            <a:endCxn id="29" idx="1"/>
-          </p:cNvCxnSpPr>
-          <p:nvPr/>
-        </p:nvCxnSpPr>
-        <p:spPr>
-          <a:xfrm flipV="1">
-            <a:off x="4865180" y="415008"/>
-            <a:ext cx="362601" cy="1"/>
-          </a:xfrm>
-          <a:prstGeom prst="straightConnector1">
-            <a:avLst/>
-          </a:prstGeom>
-          <a:ln>
-            <a:tailEnd type="triangle"/>
-          </a:ln>
-        </p:spPr>
-        <p:style>
-          <a:lnRef idx="2">
-            <a:schemeClr val="accent1"/>
-          </a:lnRef>
-          <a:fillRef idx="0">
-            <a:schemeClr val="accent1"/>
-          </a:fillRef>
-          <a:effectRef idx="1">
-            <a:schemeClr val="accent1"/>
-          </a:effectRef>
-          <a:fontRef idx="minor">
-            <a:schemeClr val="tx1"/>
-          </a:fontRef>
-        </p:style>
-      </p:cxnSp>
-      <p:cxnSp>
-        <p:nvCxnSpPr>
-          <p:cNvPr id="109" name="직선 화살표 연결선 108">
-            <a:extLst>
-              <a:ext uri="{FF2B5EF4-FFF2-40B4-BE49-F238E27FC236}">
-                <a16:creationId xmlns:a16="http://schemas.microsoft.com/office/drawing/2014/main" id="{6A8F5F3A-359E-3FBD-E3BD-3DC1130F49A5}"/>
-              </a:ext>
-            </a:extLst>
-          </p:cNvPr>
-          <p:cNvCxnSpPr>
-            <a:stCxn id="29" idx="2"/>
-            <a:endCxn id="36" idx="0"/>
-          </p:cNvCxnSpPr>
-          <p:nvPr/>
-        </p:nvCxnSpPr>
-        <p:spPr>
-          <a:xfrm flipH="1">
-            <a:off x="6333909" y="830015"/>
-            <a:ext cx="1" cy="278784"/>
-          </a:xfrm>
-          <a:prstGeom prst="straightConnector1">
-            <a:avLst/>
-          </a:prstGeom>
-          <a:ln>
-            <a:tailEnd type="triangle"/>
-          </a:ln>
-        </p:spPr>
-        <p:style>
-          <a:lnRef idx="2">
-            <a:schemeClr val="accent1"/>
-          </a:lnRef>
-          <a:fillRef idx="0">
-            <a:schemeClr val="accent1"/>
-          </a:fillRef>
-          <a:effectRef idx="1">
-            <a:schemeClr val="accent1"/>
-          </a:effectRef>
-          <a:fontRef idx="minor">
-            <a:schemeClr val="tx1"/>
-          </a:fontRef>
-        </p:style>
-      </p:cxnSp>
-      <p:cxnSp>
-        <p:nvCxnSpPr>
-          <p:cNvPr id="111" name="연결선: 꺾임 110">
-            <a:extLst>
-              <a:ext uri="{FF2B5EF4-FFF2-40B4-BE49-F238E27FC236}">
-                <a16:creationId xmlns:a16="http://schemas.microsoft.com/office/drawing/2014/main" id="{7E4E671A-B3E7-CC19-615A-EE9D35AFAD36}"/>
-              </a:ext>
-            </a:extLst>
-          </p:cNvPr>
-          <p:cNvCxnSpPr>
-            <a:stCxn id="36" idx="2"/>
-            <a:endCxn id="83" idx="1"/>
-          </p:cNvCxnSpPr>
-          <p:nvPr/>
-        </p:nvCxnSpPr>
-        <p:spPr>
-          <a:xfrm rot="5400000" flipH="1">
-            <a:off x="3731513" y="-663581"/>
-            <a:ext cx="1523805" cy="3680987"/>
-          </a:xfrm>
-          <a:prstGeom prst="bentConnector4">
-            <a:avLst>
-              <a:gd name="adj1" fmla="val -15002"/>
-              <a:gd name="adj2" fmla="val 106210"/>
-            </a:avLst>
-          </a:prstGeom>
-          <a:ln>
-            <a:tailEnd type="triangle"/>
-          </a:ln>
-        </p:spPr>
-        <p:style>
-          <a:lnRef idx="2">
-            <a:schemeClr val="accent1"/>
-          </a:lnRef>
-          <a:fillRef idx="0">
-            <a:schemeClr val="accent1"/>
-          </a:fillRef>
-          <a:effectRef idx="1">
-            <a:schemeClr val="accent1"/>
-          </a:effectRef>
-          <a:fontRef idx="minor">
-            <a:schemeClr val="tx1"/>
-          </a:fontRef>
-        </p:style>
-      </p:cxnSp>
-      <p:cxnSp>
-        <p:nvCxnSpPr>
-          <p:cNvPr id="115" name="연결선: 꺾임 114">
-            <a:extLst>
-              <a:ext uri="{FF2B5EF4-FFF2-40B4-BE49-F238E27FC236}">
-                <a16:creationId xmlns:a16="http://schemas.microsoft.com/office/drawing/2014/main" id="{CC97E49F-8CB1-8360-EA25-199CAB2A95F2}"/>
-              </a:ext>
-            </a:extLst>
-          </p:cNvPr>
-          <p:cNvCxnSpPr>
-            <a:stCxn id="29" idx="3"/>
-            <a:endCxn id="5" idx="0"/>
-          </p:cNvCxnSpPr>
-          <p:nvPr/>
-        </p:nvCxnSpPr>
-        <p:spPr>
-          <a:xfrm flipH="1">
-            <a:off x="1106129" y="415008"/>
-            <a:ext cx="6333910" cy="1824431"/>
-          </a:xfrm>
-          <a:prstGeom prst="bentConnector4">
-            <a:avLst>
-              <a:gd name="adj1" fmla="val -3609"/>
-              <a:gd name="adj2" fmla="val 88206"/>
-            </a:avLst>
-          </a:prstGeom>
-          <a:ln>
+            <a:solidFill>
+              <a:srgbClr val="7030A0"/>
+            </a:solidFill>
             <a:tailEnd type="triangle"/>
           </a:ln>
         </p:spPr>
@@ -4709,2117 +5910,7 @@
     </p:spTree>
     <p:extLst>
       <p:ext uri="{BB962C8B-B14F-4D97-AF65-F5344CB8AC3E}">
-        <p14:creationId xmlns:p14="http://schemas.microsoft.com/office/powerpoint/2010/main" val="992485930"/>
-      </p:ext>
-    </p:extLst>
-  </p:cSld>
-  <p:clrMapOvr>
-    <a:masterClrMapping/>
-  </p:clrMapOvr>
-</p:sld>
-</file>
-
-<file path=ppt/slides/slide2.xml><?xml version="1.0" encoding="utf-8"?>
-<p:sld xmlns:a="http://schemas.openxmlformats.org/drawingml/2006/main" xmlns:r="http://schemas.openxmlformats.org/officeDocument/2006/relationships" xmlns:p="http://schemas.openxmlformats.org/presentationml/2006/main">
-  <p:cSld>
-    <p:spTree>
-      <p:nvGrpSpPr>
-        <p:cNvPr id="1" name=""/>
-        <p:cNvGrpSpPr/>
-        <p:nvPr/>
-      </p:nvGrpSpPr>
-      <p:grpSpPr>
-        <a:xfrm>
-          <a:off x="0" y="0"/>
-          <a:ext cx="0" cy="0"/>
-          <a:chOff x="0" y="0"/>
-          <a:chExt cx="0" cy="0"/>
-        </a:xfrm>
-      </p:grpSpPr>
-      <p:sp>
-        <p:nvSpPr>
-          <p:cNvPr id="13" name="다이아몬드 12">
-            <a:extLst>
-              <a:ext uri="{FF2B5EF4-FFF2-40B4-BE49-F238E27FC236}">
-                <a16:creationId xmlns:a16="http://schemas.microsoft.com/office/drawing/2014/main" id="{5D4807C0-64EF-61D8-CD79-53943E46B727}"/>
-              </a:ext>
-            </a:extLst>
-          </p:cNvPr>
-          <p:cNvSpPr/>
-          <p:nvPr/>
-        </p:nvSpPr>
-        <p:spPr>
-          <a:xfrm>
-            <a:off x="5227782" y="2490045"/>
-            <a:ext cx="2212258" cy="830015"/>
-          </a:xfrm>
-          <a:prstGeom prst="diamond">
-            <a:avLst/>
-          </a:prstGeom>
-          <a:solidFill>
-            <a:schemeClr val="bg1"/>
-          </a:solidFill>
-        </p:spPr>
-        <p:style>
-          <a:lnRef idx="2">
-            <a:schemeClr val="accent1">
-              <a:shade val="15000"/>
-            </a:schemeClr>
-          </a:lnRef>
-          <a:fillRef idx="1">
-            <a:schemeClr val="accent1"/>
-          </a:fillRef>
-          <a:effectRef idx="0">
-            <a:schemeClr val="accent1"/>
-          </a:effectRef>
-          <a:fontRef idx="minor">
-            <a:schemeClr val="lt1"/>
-          </a:fontRef>
-        </p:style>
-        <p:txBody>
-          <a:bodyPr rtlCol="0" anchor="ctr"/>
-          <a:lstStyle/>
-          <a:p>
-            <a:pPr algn="ctr"/>
-            <a:r>
-              <a:rPr lang="en-US" altLang="ko-KR" dirty="0">
-                <a:solidFill>
-                  <a:schemeClr val="tx1"/>
-                </a:solidFill>
-              </a:rPr>
-              <a:t>0 &lt; a</a:t>
-            </a:r>
-            <a:r>
-              <a:rPr lang="ko-KR" altLang="en-US" dirty="0">
-                <a:solidFill>
-                  <a:schemeClr val="tx1"/>
-                </a:solidFill>
-              </a:rPr>
-              <a:t> </a:t>
-            </a:r>
-            <a:r>
-              <a:rPr lang="en-US" altLang="ko-KR" dirty="0">
-                <a:solidFill>
-                  <a:schemeClr val="tx1"/>
-                </a:solidFill>
-              </a:rPr>
-              <a:t>&lt; 1</a:t>
-            </a:r>
-            <a:r>
-              <a:rPr lang="ko-KR" altLang="en-US" dirty="0">
-                <a:solidFill>
-                  <a:schemeClr val="tx1"/>
-                </a:solidFill>
-              </a:rPr>
-              <a:t>이 아니면</a:t>
-            </a:r>
-          </a:p>
-        </p:txBody>
-      </p:sp>
-      <p:sp>
-        <p:nvSpPr>
-          <p:cNvPr id="26" name="다이아몬드 25">
-            <a:extLst>
-              <a:ext uri="{FF2B5EF4-FFF2-40B4-BE49-F238E27FC236}">
-                <a16:creationId xmlns:a16="http://schemas.microsoft.com/office/drawing/2014/main" id="{118E95CA-9B07-D7F6-C80F-6EDFE58CF9DD}"/>
-              </a:ext>
-            </a:extLst>
-          </p:cNvPr>
-          <p:cNvSpPr/>
-          <p:nvPr/>
-        </p:nvSpPr>
-        <p:spPr>
-          <a:xfrm>
-            <a:off x="0" y="3"/>
-            <a:ext cx="2212258" cy="830015"/>
-          </a:xfrm>
-          <a:prstGeom prst="diamond">
-            <a:avLst/>
-          </a:prstGeom>
-          <a:solidFill>
-            <a:schemeClr val="bg1"/>
-          </a:solidFill>
-        </p:spPr>
-        <p:style>
-          <a:lnRef idx="2">
-            <a:schemeClr val="accent1">
-              <a:shade val="15000"/>
-            </a:schemeClr>
-          </a:lnRef>
-          <a:fillRef idx="1">
-            <a:schemeClr val="accent1"/>
-          </a:fillRef>
-          <a:effectRef idx="0">
-            <a:schemeClr val="accent1"/>
-          </a:effectRef>
-          <a:fontRef idx="minor">
-            <a:schemeClr val="lt1"/>
-          </a:fontRef>
-        </p:style>
-        <p:txBody>
-          <a:bodyPr rtlCol="0" anchor="ctr"/>
-          <a:lstStyle/>
-          <a:p>
-            <a:pPr algn="ctr"/>
-            <a:r>
-              <a:rPr lang="ko-KR" altLang="en-US" dirty="0">
-                <a:solidFill>
-                  <a:schemeClr val="tx1"/>
-                </a:solidFill>
-              </a:rPr>
-              <a:t>방법</a:t>
-            </a:r>
-            <a:r>
-              <a:rPr lang="en-US" altLang="ko-KR" dirty="0">
-                <a:solidFill>
-                  <a:schemeClr val="tx1"/>
-                </a:solidFill>
-              </a:rPr>
-              <a:t>=2</a:t>
-            </a:r>
-            <a:endParaRPr lang="ko-KR" altLang="en-US" dirty="0">
-              <a:solidFill>
-                <a:schemeClr val="tx1"/>
-              </a:solidFill>
-            </a:endParaRPr>
-          </a:p>
-        </p:txBody>
-      </p:sp>
-      <p:sp>
-        <p:nvSpPr>
-          <p:cNvPr id="27" name="다이아몬드 26">
-            <a:extLst>
-              <a:ext uri="{FF2B5EF4-FFF2-40B4-BE49-F238E27FC236}">
-                <a16:creationId xmlns:a16="http://schemas.microsoft.com/office/drawing/2014/main" id="{28CBBE60-60AE-C793-5B88-D687F6936D07}"/>
-              </a:ext>
-            </a:extLst>
-          </p:cNvPr>
-          <p:cNvSpPr/>
-          <p:nvPr/>
-        </p:nvSpPr>
-        <p:spPr>
-          <a:xfrm>
-            <a:off x="0" y="2490046"/>
-            <a:ext cx="2212258" cy="830015"/>
-          </a:xfrm>
-          <a:prstGeom prst="diamond">
-            <a:avLst/>
-          </a:prstGeom>
-          <a:solidFill>
-            <a:schemeClr val="bg1"/>
-          </a:solidFill>
-        </p:spPr>
-        <p:style>
-          <a:lnRef idx="2">
-            <a:schemeClr val="accent1">
-              <a:shade val="15000"/>
-            </a:schemeClr>
-          </a:lnRef>
-          <a:fillRef idx="1">
-            <a:schemeClr val="accent1"/>
-          </a:fillRef>
-          <a:effectRef idx="0">
-            <a:schemeClr val="accent1"/>
-          </a:effectRef>
-          <a:fontRef idx="minor">
-            <a:schemeClr val="lt1"/>
-          </a:fontRef>
-        </p:style>
-        <p:txBody>
-          <a:bodyPr rtlCol="0" anchor="ctr"/>
-          <a:lstStyle/>
-          <a:p>
-            <a:pPr algn="ctr"/>
-            <a:r>
-              <a:rPr lang="ko-KR" altLang="en-US" dirty="0">
-                <a:solidFill>
-                  <a:schemeClr val="tx1"/>
-                </a:solidFill>
-              </a:rPr>
-              <a:t>방법</a:t>
-            </a:r>
-            <a:r>
-              <a:rPr lang="en-US" altLang="ko-KR" dirty="0">
-                <a:solidFill>
-                  <a:schemeClr val="tx1"/>
-                </a:solidFill>
-              </a:rPr>
-              <a:t>=3</a:t>
-            </a:r>
-            <a:endParaRPr lang="ko-KR" altLang="en-US" dirty="0">
-              <a:solidFill>
-                <a:schemeClr val="tx1"/>
-              </a:solidFill>
-            </a:endParaRPr>
-          </a:p>
-        </p:txBody>
-      </p:sp>
-      <p:sp>
-        <p:nvSpPr>
-          <p:cNvPr id="28" name="직사각형 27">
-            <a:extLst>
-              <a:ext uri="{FF2B5EF4-FFF2-40B4-BE49-F238E27FC236}">
-                <a16:creationId xmlns:a16="http://schemas.microsoft.com/office/drawing/2014/main" id="{2F4EF818-C661-E980-C031-10414835EFDB}"/>
-              </a:ext>
-            </a:extLst>
-          </p:cNvPr>
-          <p:cNvSpPr/>
-          <p:nvPr/>
-        </p:nvSpPr>
-        <p:spPr>
-          <a:xfrm>
-            <a:off x="2613891" y="2"/>
-            <a:ext cx="2212258" cy="830015"/>
-          </a:xfrm>
-          <a:prstGeom prst="rect">
-            <a:avLst/>
-          </a:prstGeom>
-          <a:solidFill>
-            <a:schemeClr val="bg1"/>
-          </a:solidFill>
-        </p:spPr>
-        <p:style>
-          <a:lnRef idx="2">
-            <a:schemeClr val="accent1">
-              <a:shade val="15000"/>
-            </a:schemeClr>
-          </a:lnRef>
-          <a:fillRef idx="1">
-            <a:schemeClr val="accent1"/>
-          </a:fillRef>
-          <a:effectRef idx="0">
-            <a:schemeClr val="accent1"/>
-          </a:effectRef>
-          <a:fontRef idx="minor">
-            <a:schemeClr val="lt1"/>
-          </a:fontRef>
-        </p:style>
-        <p:txBody>
-          <a:bodyPr rtlCol="0" anchor="ctr"/>
-          <a:lstStyle/>
-          <a:p>
-            <a:pPr algn="ctr"/>
-            <a:r>
-              <a:rPr lang="ko-KR" altLang="en-US" dirty="0">
-                <a:solidFill>
-                  <a:schemeClr val="tx1"/>
-                </a:solidFill>
-              </a:rPr>
-              <a:t>각 달의 가중치 입력</a:t>
-            </a:r>
-          </a:p>
-        </p:txBody>
-      </p:sp>
-      <p:sp>
-        <p:nvSpPr>
-          <p:cNvPr id="29" name="직사각형 28">
-            <a:extLst>
-              <a:ext uri="{FF2B5EF4-FFF2-40B4-BE49-F238E27FC236}">
-                <a16:creationId xmlns:a16="http://schemas.microsoft.com/office/drawing/2014/main" id="{0A4B8ED8-C7A1-7A83-9E2E-607C10A5D726}"/>
-              </a:ext>
-            </a:extLst>
-          </p:cNvPr>
-          <p:cNvSpPr/>
-          <p:nvPr/>
-        </p:nvSpPr>
-        <p:spPr>
-          <a:xfrm>
-            <a:off x="2613891" y="2490046"/>
-            <a:ext cx="2212258" cy="830015"/>
-          </a:xfrm>
-          <a:prstGeom prst="rect">
-            <a:avLst/>
-          </a:prstGeom>
-          <a:solidFill>
-            <a:schemeClr val="bg1"/>
-          </a:solidFill>
-        </p:spPr>
-        <p:style>
-          <a:lnRef idx="2">
-            <a:schemeClr val="accent1">
-              <a:shade val="15000"/>
-            </a:schemeClr>
-          </a:lnRef>
-          <a:fillRef idx="1">
-            <a:schemeClr val="accent1"/>
-          </a:fillRef>
-          <a:effectRef idx="0">
-            <a:schemeClr val="accent1"/>
-          </a:effectRef>
-          <a:fontRef idx="minor">
-            <a:schemeClr val="lt1"/>
-          </a:fontRef>
-        </p:style>
-        <p:txBody>
-          <a:bodyPr rtlCol="0" anchor="ctr"/>
-          <a:lstStyle/>
-          <a:p>
-            <a:pPr algn="ctr"/>
-            <a:r>
-              <a:rPr lang="ko-KR" altLang="en-US" dirty="0" err="1">
-                <a:solidFill>
-                  <a:schemeClr val="tx1"/>
-                </a:solidFill>
-              </a:rPr>
-              <a:t>평활상수</a:t>
-            </a:r>
-            <a:r>
-              <a:rPr lang="en-US" altLang="ko-KR" dirty="0">
-                <a:solidFill>
-                  <a:schemeClr val="tx1"/>
-                </a:solidFill>
-              </a:rPr>
-              <a:t>(</a:t>
-            </a:r>
-            <a:r>
-              <a:rPr lang="ko-KR" altLang="en-US" dirty="0">
-                <a:solidFill>
-                  <a:schemeClr val="tx1"/>
-                </a:solidFill>
-              </a:rPr>
-              <a:t>가중치</a:t>
-            </a:r>
-            <a:r>
-              <a:rPr lang="en-US" altLang="ko-KR" dirty="0">
-                <a:solidFill>
-                  <a:schemeClr val="tx1"/>
-                </a:solidFill>
-              </a:rPr>
-              <a:t>) a</a:t>
-            </a:r>
-            <a:r>
-              <a:rPr lang="ko-KR" altLang="en-US" dirty="0">
-                <a:solidFill>
-                  <a:schemeClr val="tx1"/>
-                </a:solidFill>
-              </a:rPr>
-              <a:t> 입력</a:t>
-            </a:r>
-          </a:p>
-        </p:txBody>
-      </p:sp>
-      <p:cxnSp>
-        <p:nvCxnSpPr>
-          <p:cNvPr id="30" name="직선 화살표 연결선 29">
-            <a:extLst>
-              <a:ext uri="{FF2B5EF4-FFF2-40B4-BE49-F238E27FC236}">
-                <a16:creationId xmlns:a16="http://schemas.microsoft.com/office/drawing/2014/main" id="{5BF7C7B9-0FD3-04AE-7FA0-FBA04D8BE788}"/>
-              </a:ext>
-            </a:extLst>
-          </p:cNvPr>
-          <p:cNvCxnSpPr>
-            <a:stCxn id="26" idx="2"/>
-            <a:endCxn id="27" idx="0"/>
-          </p:cNvCxnSpPr>
-          <p:nvPr/>
-        </p:nvCxnSpPr>
-        <p:spPr>
-          <a:xfrm>
-            <a:off x="1106129" y="830018"/>
-            <a:ext cx="0" cy="1660028"/>
-          </a:xfrm>
-          <a:prstGeom prst="straightConnector1">
-            <a:avLst/>
-          </a:prstGeom>
-          <a:ln>
-            <a:tailEnd type="triangle"/>
-          </a:ln>
-        </p:spPr>
-        <p:style>
-          <a:lnRef idx="2">
-            <a:schemeClr val="accent1"/>
-          </a:lnRef>
-          <a:fillRef idx="0">
-            <a:schemeClr val="accent1"/>
-          </a:fillRef>
-          <a:effectRef idx="1">
-            <a:schemeClr val="accent1"/>
-          </a:effectRef>
-          <a:fontRef idx="minor">
-            <a:schemeClr val="tx1"/>
-          </a:fontRef>
-        </p:style>
-      </p:cxnSp>
-      <p:cxnSp>
-        <p:nvCxnSpPr>
-          <p:cNvPr id="31" name="직선 화살표 연결선 30">
-            <a:extLst>
-              <a:ext uri="{FF2B5EF4-FFF2-40B4-BE49-F238E27FC236}">
-                <a16:creationId xmlns:a16="http://schemas.microsoft.com/office/drawing/2014/main" id="{46A8759D-A7DC-7DB1-2187-09E3261497F4}"/>
-              </a:ext>
-            </a:extLst>
-          </p:cNvPr>
-          <p:cNvCxnSpPr>
-            <a:stCxn id="26" idx="3"/>
-            <a:endCxn id="28" idx="1"/>
-          </p:cNvCxnSpPr>
-          <p:nvPr/>
-        </p:nvCxnSpPr>
-        <p:spPr>
-          <a:xfrm flipV="1">
-            <a:off x="2212258" y="415010"/>
-            <a:ext cx="401633" cy="1"/>
-          </a:xfrm>
-          <a:prstGeom prst="straightConnector1">
-            <a:avLst/>
-          </a:prstGeom>
-          <a:ln>
-            <a:tailEnd type="triangle"/>
-          </a:ln>
-        </p:spPr>
-        <p:style>
-          <a:lnRef idx="2">
-            <a:schemeClr val="accent1"/>
-          </a:lnRef>
-          <a:fillRef idx="0">
-            <a:schemeClr val="accent1"/>
-          </a:fillRef>
-          <a:effectRef idx="1">
-            <a:schemeClr val="accent1"/>
-          </a:effectRef>
-          <a:fontRef idx="minor">
-            <a:schemeClr val="tx1"/>
-          </a:fontRef>
-        </p:style>
-      </p:cxnSp>
-      <p:cxnSp>
-        <p:nvCxnSpPr>
-          <p:cNvPr id="32" name="직선 화살표 연결선 31">
-            <a:extLst>
-              <a:ext uri="{FF2B5EF4-FFF2-40B4-BE49-F238E27FC236}">
-                <a16:creationId xmlns:a16="http://schemas.microsoft.com/office/drawing/2014/main" id="{BC725F83-2764-BF88-D9E7-22BE442890F2}"/>
-              </a:ext>
-            </a:extLst>
-          </p:cNvPr>
-          <p:cNvCxnSpPr>
-            <a:stCxn id="27" idx="3"/>
-            <a:endCxn id="29" idx="1"/>
-          </p:cNvCxnSpPr>
-          <p:nvPr/>
-        </p:nvCxnSpPr>
-        <p:spPr>
-          <a:xfrm>
-            <a:off x="2212258" y="2905054"/>
-            <a:ext cx="401633" cy="0"/>
-          </a:xfrm>
-          <a:prstGeom prst="straightConnector1">
-            <a:avLst/>
-          </a:prstGeom>
-          <a:ln>
-            <a:tailEnd type="triangle"/>
-          </a:ln>
-        </p:spPr>
-        <p:style>
-          <a:lnRef idx="2">
-            <a:schemeClr val="accent1"/>
-          </a:lnRef>
-          <a:fillRef idx="0">
-            <a:schemeClr val="accent1"/>
-          </a:fillRef>
-          <a:effectRef idx="1">
-            <a:schemeClr val="accent1"/>
-          </a:effectRef>
-          <a:fontRef idx="minor">
-            <a:schemeClr val="tx1"/>
-          </a:fontRef>
-        </p:style>
-      </p:cxnSp>
-      <p:sp>
-        <p:nvSpPr>
-          <p:cNvPr id="33" name="직사각형 32">
-            <a:extLst>
-              <a:ext uri="{FF2B5EF4-FFF2-40B4-BE49-F238E27FC236}">
-                <a16:creationId xmlns:a16="http://schemas.microsoft.com/office/drawing/2014/main" id="{36736416-5654-C127-A0A8-BEF0FAFBD278}"/>
-              </a:ext>
-            </a:extLst>
-          </p:cNvPr>
-          <p:cNvSpPr/>
-          <p:nvPr/>
-        </p:nvSpPr>
-        <p:spPr>
-          <a:xfrm>
-            <a:off x="7841672" y="2"/>
-            <a:ext cx="2212258" cy="830015"/>
-          </a:xfrm>
-          <a:prstGeom prst="rect">
-            <a:avLst/>
-          </a:prstGeom>
-          <a:solidFill>
-            <a:schemeClr val="bg1"/>
-          </a:solidFill>
-        </p:spPr>
-        <p:style>
-          <a:lnRef idx="2">
-            <a:schemeClr val="accent1">
-              <a:shade val="15000"/>
-            </a:schemeClr>
-          </a:lnRef>
-          <a:fillRef idx="1">
-            <a:schemeClr val="accent1"/>
-          </a:fillRef>
-          <a:effectRef idx="0">
-            <a:schemeClr val="accent1"/>
-          </a:effectRef>
-          <a:fontRef idx="minor">
-            <a:schemeClr val="lt1"/>
-          </a:fontRef>
-        </p:style>
-        <p:txBody>
-          <a:bodyPr rtlCol="0" anchor="ctr"/>
-          <a:lstStyle/>
-          <a:p>
-            <a:pPr algn="ctr"/>
-            <a:r>
-              <a:rPr lang="ko-KR" altLang="en-US" dirty="0">
-                <a:solidFill>
-                  <a:schemeClr val="tx1"/>
-                </a:solidFill>
-              </a:rPr>
-              <a:t>마지막 달의 가중치</a:t>
-            </a:r>
-            <a:r>
-              <a:rPr lang="en-US" altLang="ko-KR" dirty="0">
-                <a:solidFill>
-                  <a:schemeClr val="tx1"/>
-                </a:solidFill>
-              </a:rPr>
-              <a:t>=1-(</a:t>
-            </a:r>
-            <a:r>
-              <a:rPr lang="ko-KR" altLang="en-US" dirty="0">
-                <a:solidFill>
-                  <a:schemeClr val="tx1"/>
-                </a:solidFill>
-              </a:rPr>
-              <a:t>이전 가중치들의 합</a:t>
-            </a:r>
-            <a:r>
-              <a:rPr lang="en-US" altLang="ko-KR" dirty="0">
-                <a:solidFill>
-                  <a:schemeClr val="tx1"/>
-                </a:solidFill>
-              </a:rPr>
-              <a:t>)</a:t>
-            </a:r>
-            <a:endParaRPr lang="ko-KR" altLang="en-US" dirty="0">
-              <a:solidFill>
-                <a:schemeClr val="tx1"/>
-              </a:solidFill>
-            </a:endParaRPr>
-          </a:p>
-        </p:txBody>
-      </p:sp>
-      <p:sp>
-        <p:nvSpPr>
-          <p:cNvPr id="35" name="직사각형 34">
-            <a:extLst>
-              <a:ext uri="{FF2B5EF4-FFF2-40B4-BE49-F238E27FC236}">
-                <a16:creationId xmlns:a16="http://schemas.microsoft.com/office/drawing/2014/main" id="{8A56C7CB-25C8-2193-AE74-D3F4CC7FACAE}"/>
-              </a:ext>
-            </a:extLst>
-          </p:cNvPr>
-          <p:cNvSpPr/>
-          <p:nvPr/>
-        </p:nvSpPr>
-        <p:spPr>
-          <a:xfrm>
-            <a:off x="13069452" y="2490046"/>
-            <a:ext cx="2212258" cy="830015"/>
-          </a:xfrm>
-          <a:prstGeom prst="rect">
-            <a:avLst/>
-          </a:prstGeom>
-          <a:solidFill>
-            <a:schemeClr val="bg1"/>
-          </a:solidFill>
-        </p:spPr>
-        <p:style>
-          <a:lnRef idx="2">
-            <a:schemeClr val="accent1">
-              <a:shade val="15000"/>
-            </a:schemeClr>
-          </a:lnRef>
-          <a:fillRef idx="1">
-            <a:schemeClr val="accent1"/>
-          </a:fillRef>
-          <a:effectRef idx="0">
-            <a:schemeClr val="accent1"/>
-          </a:effectRef>
-          <a:fontRef idx="minor">
-            <a:schemeClr val="lt1"/>
-          </a:fontRef>
-        </p:style>
-        <p:txBody>
-          <a:bodyPr rtlCol="0" anchor="ctr"/>
-          <a:lstStyle/>
-          <a:p>
-            <a:pPr algn="ctr"/>
-            <a:r>
-              <a:rPr lang="ko-KR" altLang="en-US" dirty="0">
-                <a:solidFill>
-                  <a:schemeClr val="tx1"/>
-                </a:solidFill>
-              </a:rPr>
-              <a:t>지수이동평균법 계산</a:t>
-            </a:r>
-          </a:p>
-        </p:txBody>
-      </p:sp>
-      <p:cxnSp>
-        <p:nvCxnSpPr>
-          <p:cNvPr id="39" name="직선 화살표 연결선 38">
-            <a:extLst>
-              <a:ext uri="{FF2B5EF4-FFF2-40B4-BE49-F238E27FC236}">
-                <a16:creationId xmlns:a16="http://schemas.microsoft.com/office/drawing/2014/main" id="{EC29F090-BB7C-842F-572E-571962C4D6F5}"/>
-              </a:ext>
-            </a:extLst>
-          </p:cNvPr>
-          <p:cNvCxnSpPr>
-            <a:stCxn id="29" idx="3"/>
-            <a:endCxn id="13" idx="1"/>
-          </p:cNvCxnSpPr>
-          <p:nvPr/>
-        </p:nvCxnSpPr>
-        <p:spPr>
-          <a:xfrm flipV="1">
-            <a:off x="4826149" y="2905053"/>
-            <a:ext cx="401633" cy="1"/>
-          </a:xfrm>
-          <a:prstGeom prst="straightConnector1">
-            <a:avLst/>
-          </a:prstGeom>
-          <a:ln>
-            <a:tailEnd type="triangle"/>
-          </a:ln>
-        </p:spPr>
-        <p:style>
-          <a:lnRef idx="2">
-            <a:schemeClr val="accent1"/>
-          </a:lnRef>
-          <a:fillRef idx="0">
-            <a:schemeClr val="accent1"/>
-          </a:fillRef>
-          <a:effectRef idx="1">
-            <a:schemeClr val="accent1"/>
-          </a:effectRef>
-          <a:fontRef idx="minor">
-            <a:schemeClr val="tx1"/>
-          </a:fontRef>
-        </p:style>
-      </p:cxnSp>
-      <p:sp>
-        <p:nvSpPr>
-          <p:cNvPr id="44" name="직사각형 43">
-            <a:extLst>
-              <a:ext uri="{FF2B5EF4-FFF2-40B4-BE49-F238E27FC236}">
-                <a16:creationId xmlns:a16="http://schemas.microsoft.com/office/drawing/2014/main" id="{B11402AE-6396-972F-6024-BE67FD2620F9}"/>
-              </a:ext>
-            </a:extLst>
-          </p:cNvPr>
-          <p:cNvSpPr/>
-          <p:nvPr/>
-        </p:nvSpPr>
-        <p:spPr>
-          <a:xfrm>
-            <a:off x="5227782" y="3615921"/>
-            <a:ext cx="2212258" cy="830015"/>
-          </a:xfrm>
-          <a:prstGeom prst="rect">
-            <a:avLst/>
-          </a:prstGeom>
-          <a:solidFill>
-            <a:schemeClr val="bg1"/>
-          </a:solidFill>
-        </p:spPr>
-        <p:style>
-          <a:lnRef idx="2">
-            <a:schemeClr val="accent1">
-              <a:shade val="15000"/>
-            </a:schemeClr>
-          </a:lnRef>
-          <a:fillRef idx="1">
-            <a:schemeClr val="accent1"/>
-          </a:fillRef>
-          <a:effectRef idx="0">
-            <a:schemeClr val="accent1"/>
-          </a:effectRef>
-          <a:fontRef idx="minor">
-            <a:schemeClr val="lt1"/>
-          </a:fontRef>
-        </p:style>
-        <p:txBody>
-          <a:bodyPr rtlCol="0" anchor="ctr"/>
-          <a:lstStyle/>
-          <a:p>
-            <a:pPr algn="ctr"/>
-            <a:r>
-              <a:rPr lang="en-US" altLang="ko-KR" dirty="0">
-                <a:solidFill>
-                  <a:schemeClr val="tx1"/>
-                </a:solidFill>
-              </a:rPr>
-              <a:t>a </a:t>
-            </a:r>
-            <a:r>
-              <a:rPr lang="ko-KR" altLang="en-US" dirty="0">
-                <a:solidFill>
-                  <a:schemeClr val="tx1"/>
-                </a:solidFill>
-              </a:rPr>
-              <a:t>재입력</a:t>
-            </a:r>
-          </a:p>
-        </p:txBody>
-      </p:sp>
-      <p:sp>
-        <p:nvSpPr>
-          <p:cNvPr id="48" name="직사각형 47">
-            <a:extLst>
-              <a:ext uri="{FF2B5EF4-FFF2-40B4-BE49-F238E27FC236}">
-                <a16:creationId xmlns:a16="http://schemas.microsoft.com/office/drawing/2014/main" id="{57D647B8-47D1-F0B3-0F50-7BE49BDA5310}"/>
-              </a:ext>
-            </a:extLst>
-          </p:cNvPr>
-          <p:cNvSpPr/>
-          <p:nvPr/>
-        </p:nvSpPr>
-        <p:spPr>
-          <a:xfrm>
-            <a:off x="0" y="3615922"/>
-            <a:ext cx="2212258" cy="830015"/>
-          </a:xfrm>
-          <a:prstGeom prst="rect">
-            <a:avLst/>
-          </a:prstGeom>
-          <a:solidFill>
-            <a:schemeClr val="bg1"/>
-          </a:solidFill>
-        </p:spPr>
-        <p:style>
-          <a:lnRef idx="2">
-            <a:schemeClr val="accent1">
-              <a:shade val="15000"/>
-            </a:schemeClr>
-          </a:lnRef>
-          <a:fillRef idx="1">
-            <a:schemeClr val="accent1"/>
-          </a:fillRef>
-          <a:effectRef idx="0">
-            <a:schemeClr val="accent1"/>
-          </a:effectRef>
-          <a:fontRef idx="minor">
-            <a:schemeClr val="lt1"/>
-          </a:fontRef>
-        </p:style>
-        <p:txBody>
-          <a:bodyPr rtlCol="0" anchor="ctr"/>
-          <a:lstStyle/>
-          <a:p>
-            <a:pPr algn="ctr"/>
-            <a:r>
-              <a:rPr lang="ko-KR" altLang="en-US" dirty="0" err="1">
-                <a:solidFill>
-                  <a:schemeClr val="tx1"/>
-                </a:solidFill>
-              </a:rPr>
-              <a:t>계산값</a:t>
-            </a:r>
-            <a:r>
-              <a:rPr lang="en-US" altLang="ko-KR" dirty="0">
-                <a:solidFill>
-                  <a:schemeClr val="tx1"/>
-                </a:solidFill>
-              </a:rPr>
-              <a:t>(</a:t>
-            </a:r>
-            <a:r>
-              <a:rPr lang="ko-KR" altLang="en-US" dirty="0">
-                <a:solidFill>
-                  <a:schemeClr val="tx1"/>
-                </a:solidFill>
-              </a:rPr>
-              <a:t>다음 수요예측치</a:t>
-            </a:r>
-            <a:r>
-              <a:rPr lang="en-US" altLang="ko-KR" dirty="0">
-                <a:solidFill>
-                  <a:schemeClr val="tx1"/>
-                </a:solidFill>
-              </a:rPr>
-              <a:t>)</a:t>
-            </a:r>
-            <a:r>
-              <a:rPr lang="ko-KR" altLang="en-US" dirty="0">
-                <a:solidFill>
-                  <a:schemeClr val="tx1"/>
-                </a:solidFill>
-              </a:rPr>
-              <a:t> 출력</a:t>
-            </a:r>
-          </a:p>
-        </p:txBody>
-      </p:sp>
-      <p:cxnSp>
-        <p:nvCxnSpPr>
-          <p:cNvPr id="49" name="직선 화살표 연결선 48">
-            <a:extLst>
-              <a:ext uri="{FF2B5EF4-FFF2-40B4-BE49-F238E27FC236}">
-                <a16:creationId xmlns:a16="http://schemas.microsoft.com/office/drawing/2014/main" id="{0049ABEE-70C7-B14A-BA56-91B359002252}"/>
-              </a:ext>
-            </a:extLst>
-          </p:cNvPr>
-          <p:cNvCxnSpPr>
-            <a:stCxn id="27" idx="2"/>
-            <a:endCxn id="48" idx="0"/>
-          </p:cNvCxnSpPr>
-          <p:nvPr/>
-        </p:nvCxnSpPr>
-        <p:spPr>
-          <a:xfrm>
-            <a:off x="1106129" y="3320061"/>
-            <a:ext cx="0" cy="295861"/>
-          </a:xfrm>
-          <a:prstGeom prst="straightConnector1">
-            <a:avLst/>
-          </a:prstGeom>
-          <a:ln>
-            <a:tailEnd type="triangle"/>
-          </a:ln>
-        </p:spPr>
-        <p:style>
-          <a:lnRef idx="2">
-            <a:schemeClr val="accent1"/>
-          </a:lnRef>
-          <a:fillRef idx="0">
-            <a:schemeClr val="accent1"/>
-          </a:fillRef>
-          <a:effectRef idx="1">
-            <a:schemeClr val="accent1"/>
-          </a:effectRef>
-          <a:fontRef idx="minor">
-            <a:schemeClr val="tx1"/>
-          </a:fontRef>
-        </p:style>
-      </p:cxnSp>
-      <p:cxnSp>
-        <p:nvCxnSpPr>
-          <p:cNvPr id="52" name="연결선: 꺾임 51">
-            <a:extLst>
-              <a:ext uri="{FF2B5EF4-FFF2-40B4-BE49-F238E27FC236}">
-                <a16:creationId xmlns:a16="http://schemas.microsoft.com/office/drawing/2014/main" id="{336CAA10-E180-4825-015B-6AAA5C4E1D04}"/>
-              </a:ext>
-            </a:extLst>
-          </p:cNvPr>
-          <p:cNvCxnSpPr>
-            <a:cxnSpLocks/>
-            <a:stCxn id="44" idx="1"/>
-            <a:endCxn id="13" idx="1"/>
-          </p:cNvCxnSpPr>
-          <p:nvPr/>
-        </p:nvCxnSpPr>
-        <p:spPr>
-          <a:xfrm rot="10800000">
-            <a:off x="5227782" y="2905053"/>
-            <a:ext cx="12700" cy="1125876"/>
-          </a:xfrm>
-          <a:prstGeom prst="bentConnector3">
-            <a:avLst>
-              <a:gd name="adj1" fmla="val 1800000"/>
-            </a:avLst>
-          </a:prstGeom>
-          <a:ln>
-            <a:tailEnd type="triangle"/>
-          </a:ln>
-        </p:spPr>
-        <p:style>
-          <a:lnRef idx="2">
-            <a:schemeClr val="accent1"/>
-          </a:lnRef>
-          <a:fillRef idx="0">
-            <a:schemeClr val="accent1"/>
-          </a:fillRef>
-          <a:effectRef idx="1">
-            <a:schemeClr val="accent1"/>
-          </a:effectRef>
-          <a:fontRef idx="minor">
-            <a:schemeClr val="tx1"/>
-          </a:fontRef>
-        </p:style>
-      </p:cxnSp>
-      <p:cxnSp>
-        <p:nvCxnSpPr>
-          <p:cNvPr id="57" name="직선 화살표 연결선 56">
-            <a:extLst>
-              <a:ext uri="{FF2B5EF4-FFF2-40B4-BE49-F238E27FC236}">
-                <a16:creationId xmlns:a16="http://schemas.microsoft.com/office/drawing/2014/main" id="{374E70B4-B253-3629-D203-13B80AD10AC0}"/>
-              </a:ext>
-            </a:extLst>
-          </p:cNvPr>
-          <p:cNvCxnSpPr>
-            <a:stCxn id="13" idx="2"/>
-            <a:endCxn id="44" idx="0"/>
-          </p:cNvCxnSpPr>
-          <p:nvPr/>
-        </p:nvCxnSpPr>
-        <p:spPr>
-          <a:xfrm>
-            <a:off x="6333911" y="3320060"/>
-            <a:ext cx="0" cy="295861"/>
-          </a:xfrm>
-          <a:prstGeom prst="straightConnector1">
-            <a:avLst/>
-          </a:prstGeom>
-          <a:ln>
-            <a:tailEnd type="triangle"/>
-          </a:ln>
-        </p:spPr>
-        <p:style>
-          <a:lnRef idx="2">
-            <a:schemeClr val="accent1"/>
-          </a:lnRef>
-          <a:fillRef idx="0">
-            <a:schemeClr val="accent1"/>
-          </a:fillRef>
-          <a:effectRef idx="1">
-            <a:schemeClr val="accent1"/>
-          </a:effectRef>
-          <a:fontRef idx="minor">
-            <a:schemeClr val="tx1"/>
-          </a:fontRef>
-        </p:style>
-      </p:cxnSp>
-      <p:sp>
-        <p:nvSpPr>
-          <p:cNvPr id="63" name="다이아몬드 62">
-            <a:extLst>
-              <a:ext uri="{FF2B5EF4-FFF2-40B4-BE49-F238E27FC236}">
-                <a16:creationId xmlns:a16="http://schemas.microsoft.com/office/drawing/2014/main" id="{C97900F7-7DC1-9D7A-39E7-95F8BEDD6CB5}"/>
-              </a:ext>
-            </a:extLst>
-          </p:cNvPr>
-          <p:cNvSpPr/>
-          <p:nvPr/>
-        </p:nvSpPr>
-        <p:spPr>
-          <a:xfrm>
-            <a:off x="5227782" y="2"/>
-            <a:ext cx="2212258" cy="830015"/>
-          </a:xfrm>
-          <a:prstGeom prst="diamond">
-            <a:avLst/>
-          </a:prstGeom>
-          <a:solidFill>
-            <a:schemeClr val="bg1"/>
-          </a:solidFill>
-        </p:spPr>
-        <p:style>
-          <a:lnRef idx="2">
-            <a:schemeClr val="accent1">
-              <a:shade val="15000"/>
-            </a:schemeClr>
-          </a:lnRef>
-          <a:fillRef idx="1">
-            <a:schemeClr val="accent1"/>
-          </a:fillRef>
-          <a:effectRef idx="0">
-            <a:schemeClr val="accent1"/>
-          </a:effectRef>
-          <a:fontRef idx="minor">
-            <a:schemeClr val="lt1"/>
-          </a:fontRef>
-        </p:style>
-        <p:txBody>
-          <a:bodyPr rtlCol="0" anchor="ctr"/>
-          <a:lstStyle/>
-          <a:p>
-            <a:pPr algn="ctr"/>
-            <a:r>
-              <a:rPr lang="en-US" altLang="ko-KR" dirty="0">
-                <a:solidFill>
-                  <a:schemeClr val="tx1"/>
-                </a:solidFill>
-              </a:rPr>
-              <a:t>0 &lt; </a:t>
-            </a:r>
-            <a:r>
-              <a:rPr lang="ko-KR" altLang="en-US" dirty="0">
-                <a:solidFill>
-                  <a:schemeClr val="tx1"/>
-                </a:solidFill>
-              </a:rPr>
-              <a:t>가중치 </a:t>
-            </a:r>
-            <a:r>
-              <a:rPr lang="en-US" altLang="ko-KR" dirty="0">
-                <a:solidFill>
-                  <a:schemeClr val="tx1"/>
-                </a:solidFill>
-              </a:rPr>
-              <a:t>&lt; 1</a:t>
-            </a:r>
-            <a:r>
-              <a:rPr lang="ko-KR" altLang="en-US" dirty="0">
-                <a:solidFill>
-                  <a:schemeClr val="tx1"/>
-                </a:solidFill>
-              </a:rPr>
-              <a:t>이 아니면</a:t>
-            </a:r>
-          </a:p>
-        </p:txBody>
-      </p:sp>
-      <p:cxnSp>
-        <p:nvCxnSpPr>
-          <p:cNvPr id="66" name="직선 화살표 연결선 65">
-            <a:extLst>
-              <a:ext uri="{FF2B5EF4-FFF2-40B4-BE49-F238E27FC236}">
-                <a16:creationId xmlns:a16="http://schemas.microsoft.com/office/drawing/2014/main" id="{E62F2B75-9A25-9D97-FEC3-0DB062F1A0A1}"/>
-              </a:ext>
-            </a:extLst>
-          </p:cNvPr>
-          <p:cNvCxnSpPr>
-            <a:stCxn id="28" idx="3"/>
-            <a:endCxn id="63" idx="1"/>
-          </p:cNvCxnSpPr>
-          <p:nvPr/>
-        </p:nvCxnSpPr>
-        <p:spPr>
-          <a:xfrm>
-            <a:off x="4826149" y="415010"/>
-            <a:ext cx="401633" cy="0"/>
-          </a:xfrm>
-          <a:prstGeom prst="straightConnector1">
-            <a:avLst/>
-          </a:prstGeom>
-          <a:ln>
-            <a:tailEnd type="triangle"/>
-          </a:ln>
-        </p:spPr>
-        <p:style>
-          <a:lnRef idx="2">
-            <a:schemeClr val="accent1"/>
-          </a:lnRef>
-          <a:fillRef idx="0">
-            <a:schemeClr val="accent1"/>
-          </a:fillRef>
-          <a:effectRef idx="1">
-            <a:schemeClr val="accent1"/>
-          </a:effectRef>
-          <a:fontRef idx="minor">
-            <a:schemeClr val="tx1"/>
-          </a:fontRef>
-        </p:style>
-      </p:cxnSp>
-      <p:sp>
-        <p:nvSpPr>
-          <p:cNvPr id="69" name="직사각형 68">
-            <a:extLst>
-              <a:ext uri="{FF2B5EF4-FFF2-40B4-BE49-F238E27FC236}">
-                <a16:creationId xmlns:a16="http://schemas.microsoft.com/office/drawing/2014/main" id="{2A638942-8E5E-06EA-A55D-3C80900C0389}"/>
-              </a:ext>
-            </a:extLst>
-          </p:cNvPr>
-          <p:cNvSpPr/>
-          <p:nvPr/>
-        </p:nvSpPr>
-        <p:spPr>
-          <a:xfrm>
-            <a:off x="5227782" y="1245024"/>
-            <a:ext cx="2212258" cy="830015"/>
-          </a:xfrm>
-          <a:prstGeom prst="rect">
-            <a:avLst/>
-          </a:prstGeom>
-          <a:solidFill>
-            <a:schemeClr val="bg1"/>
-          </a:solidFill>
-        </p:spPr>
-        <p:style>
-          <a:lnRef idx="2">
-            <a:schemeClr val="accent1">
-              <a:shade val="15000"/>
-            </a:schemeClr>
-          </a:lnRef>
-          <a:fillRef idx="1">
-            <a:schemeClr val="accent1"/>
-          </a:fillRef>
-          <a:effectRef idx="0">
-            <a:schemeClr val="accent1"/>
-          </a:effectRef>
-          <a:fontRef idx="minor">
-            <a:schemeClr val="lt1"/>
-          </a:fontRef>
-        </p:style>
-        <p:txBody>
-          <a:bodyPr rtlCol="0" anchor="ctr"/>
-          <a:lstStyle/>
-          <a:p>
-            <a:pPr algn="ctr"/>
-            <a:r>
-              <a:rPr lang="ko-KR" altLang="en-US" dirty="0">
-                <a:solidFill>
-                  <a:schemeClr val="tx1"/>
-                </a:solidFill>
-              </a:rPr>
-              <a:t>해당 달의 가중치 재입력</a:t>
-            </a:r>
-          </a:p>
-        </p:txBody>
-      </p:sp>
-      <p:cxnSp>
-        <p:nvCxnSpPr>
-          <p:cNvPr id="71" name="직선 화살표 연결선 70">
-            <a:extLst>
-              <a:ext uri="{FF2B5EF4-FFF2-40B4-BE49-F238E27FC236}">
-                <a16:creationId xmlns:a16="http://schemas.microsoft.com/office/drawing/2014/main" id="{BC07AC37-5815-C6B4-B9E9-2ECB1939826D}"/>
-              </a:ext>
-            </a:extLst>
-          </p:cNvPr>
-          <p:cNvCxnSpPr>
-            <a:stCxn id="63" idx="2"/>
-            <a:endCxn id="69" idx="0"/>
-          </p:cNvCxnSpPr>
-          <p:nvPr/>
-        </p:nvCxnSpPr>
-        <p:spPr>
-          <a:xfrm>
-            <a:off x="6333911" y="830017"/>
-            <a:ext cx="0" cy="415007"/>
-          </a:xfrm>
-          <a:prstGeom prst="straightConnector1">
-            <a:avLst/>
-          </a:prstGeom>
-          <a:ln>
-            <a:tailEnd type="triangle"/>
-          </a:ln>
-        </p:spPr>
-        <p:style>
-          <a:lnRef idx="2">
-            <a:schemeClr val="accent1"/>
-          </a:lnRef>
-          <a:fillRef idx="0">
-            <a:schemeClr val="accent1"/>
-          </a:fillRef>
-          <a:effectRef idx="1">
-            <a:schemeClr val="accent1"/>
-          </a:effectRef>
-          <a:fontRef idx="minor">
-            <a:schemeClr val="tx1"/>
-          </a:fontRef>
-        </p:style>
-      </p:cxnSp>
-      <p:cxnSp>
-        <p:nvCxnSpPr>
-          <p:cNvPr id="73" name="연결선: 꺾임 72">
-            <a:extLst>
-              <a:ext uri="{FF2B5EF4-FFF2-40B4-BE49-F238E27FC236}">
-                <a16:creationId xmlns:a16="http://schemas.microsoft.com/office/drawing/2014/main" id="{87420D7B-86F7-26E7-9739-AE7F97F88386}"/>
-              </a:ext>
-            </a:extLst>
-          </p:cNvPr>
-          <p:cNvCxnSpPr>
-            <a:stCxn id="69" idx="1"/>
-            <a:endCxn id="63" idx="1"/>
-          </p:cNvCxnSpPr>
-          <p:nvPr/>
-        </p:nvCxnSpPr>
-        <p:spPr>
-          <a:xfrm rot="10800000">
-            <a:off x="5227782" y="415010"/>
-            <a:ext cx="12700" cy="1245022"/>
-          </a:xfrm>
-          <a:prstGeom prst="bentConnector3">
-            <a:avLst>
-              <a:gd name="adj1" fmla="val 1800000"/>
-            </a:avLst>
-          </a:prstGeom>
-          <a:ln>
-            <a:tailEnd type="triangle"/>
-          </a:ln>
-        </p:spPr>
-        <p:style>
-          <a:lnRef idx="2">
-            <a:schemeClr val="accent1"/>
-          </a:lnRef>
-          <a:fillRef idx="0">
-            <a:schemeClr val="accent1"/>
-          </a:fillRef>
-          <a:effectRef idx="1">
-            <a:schemeClr val="accent1"/>
-          </a:effectRef>
-          <a:fontRef idx="minor">
-            <a:schemeClr val="tx1"/>
-          </a:fontRef>
-        </p:style>
-      </p:cxnSp>
-      <p:sp>
-        <p:nvSpPr>
-          <p:cNvPr id="74" name="직사각형 73">
-            <a:extLst>
-              <a:ext uri="{FF2B5EF4-FFF2-40B4-BE49-F238E27FC236}">
-                <a16:creationId xmlns:a16="http://schemas.microsoft.com/office/drawing/2014/main" id="{1DF16156-DE4D-5E2F-3547-348A12DD1C56}"/>
-              </a:ext>
-            </a:extLst>
-          </p:cNvPr>
-          <p:cNvSpPr/>
-          <p:nvPr/>
-        </p:nvSpPr>
-        <p:spPr>
-          <a:xfrm>
-            <a:off x="13069452" y="0"/>
-            <a:ext cx="2212258" cy="830015"/>
-          </a:xfrm>
-          <a:prstGeom prst="rect">
-            <a:avLst/>
-          </a:prstGeom>
-          <a:solidFill>
-            <a:schemeClr val="bg1"/>
-          </a:solidFill>
-        </p:spPr>
-        <p:style>
-          <a:lnRef idx="2">
-            <a:schemeClr val="accent1">
-              <a:shade val="15000"/>
-            </a:schemeClr>
-          </a:lnRef>
-          <a:fillRef idx="1">
-            <a:schemeClr val="accent1"/>
-          </a:fillRef>
-          <a:effectRef idx="0">
-            <a:schemeClr val="accent1"/>
-          </a:effectRef>
-          <a:fontRef idx="minor">
-            <a:schemeClr val="lt1"/>
-          </a:fontRef>
-        </p:style>
-        <p:txBody>
-          <a:bodyPr rtlCol="0" anchor="ctr"/>
-          <a:lstStyle/>
-          <a:p>
-            <a:pPr algn="ctr"/>
-            <a:r>
-              <a:rPr lang="ko-KR" altLang="en-US" dirty="0">
-                <a:solidFill>
-                  <a:schemeClr val="tx1"/>
-                </a:solidFill>
-              </a:rPr>
-              <a:t>가중이동평균법 계산</a:t>
-            </a:r>
-          </a:p>
-        </p:txBody>
-      </p:sp>
-      <p:cxnSp>
-        <p:nvCxnSpPr>
-          <p:cNvPr id="76" name="직선 화살표 연결선 75">
-            <a:extLst>
-              <a:ext uri="{FF2B5EF4-FFF2-40B4-BE49-F238E27FC236}">
-                <a16:creationId xmlns:a16="http://schemas.microsoft.com/office/drawing/2014/main" id="{1CE78E27-6734-1D86-5C29-9BA5FA5BE895}"/>
-              </a:ext>
-            </a:extLst>
-          </p:cNvPr>
-          <p:cNvCxnSpPr>
-            <a:stCxn id="63" idx="3"/>
-            <a:endCxn id="33" idx="1"/>
-          </p:cNvCxnSpPr>
-          <p:nvPr/>
-        </p:nvCxnSpPr>
-        <p:spPr>
-          <a:xfrm>
-            <a:off x="7440040" y="415010"/>
-            <a:ext cx="401632" cy="0"/>
-          </a:xfrm>
-          <a:prstGeom prst="straightConnector1">
-            <a:avLst/>
-          </a:prstGeom>
-          <a:ln>
-            <a:tailEnd type="triangle"/>
-          </a:ln>
-        </p:spPr>
-        <p:style>
-          <a:lnRef idx="2">
-            <a:schemeClr val="accent1"/>
-          </a:lnRef>
-          <a:fillRef idx="0">
-            <a:schemeClr val="accent1"/>
-          </a:fillRef>
-          <a:effectRef idx="1">
-            <a:schemeClr val="accent1"/>
-          </a:effectRef>
-          <a:fontRef idx="minor">
-            <a:schemeClr val="tx1"/>
-          </a:fontRef>
-        </p:style>
-      </p:cxnSp>
-      <p:sp>
-        <p:nvSpPr>
-          <p:cNvPr id="88" name="다이아몬드 87">
-            <a:extLst>
-              <a:ext uri="{FF2B5EF4-FFF2-40B4-BE49-F238E27FC236}">
-                <a16:creationId xmlns:a16="http://schemas.microsoft.com/office/drawing/2014/main" id="{726788B4-B09C-DAC4-D919-370FECDC92B2}"/>
-              </a:ext>
-            </a:extLst>
-          </p:cNvPr>
-          <p:cNvSpPr/>
-          <p:nvPr/>
-        </p:nvSpPr>
-        <p:spPr>
-          <a:xfrm>
-            <a:off x="10455562" y="2"/>
-            <a:ext cx="2212258" cy="830015"/>
-          </a:xfrm>
-          <a:prstGeom prst="diamond">
-            <a:avLst/>
-          </a:prstGeom>
-          <a:solidFill>
-            <a:schemeClr val="bg1"/>
-          </a:solidFill>
-        </p:spPr>
-        <p:style>
-          <a:lnRef idx="2">
-            <a:schemeClr val="accent1">
-              <a:shade val="15000"/>
-            </a:schemeClr>
-          </a:lnRef>
-          <a:fillRef idx="1">
-            <a:schemeClr val="accent1"/>
-          </a:fillRef>
-          <a:effectRef idx="0">
-            <a:schemeClr val="accent1"/>
-          </a:effectRef>
-          <a:fontRef idx="minor">
-            <a:schemeClr val="lt1"/>
-          </a:fontRef>
-        </p:style>
-        <p:txBody>
-          <a:bodyPr rtlCol="0" anchor="ctr"/>
-          <a:lstStyle/>
-          <a:p>
-            <a:pPr algn="ctr"/>
-            <a:r>
-              <a:rPr lang="en-US" altLang="ko-KR" dirty="0">
-                <a:solidFill>
-                  <a:schemeClr val="tx1"/>
-                </a:solidFill>
-              </a:rPr>
-              <a:t>0 &lt; </a:t>
-            </a:r>
-            <a:r>
-              <a:rPr lang="ko-KR" altLang="en-US" dirty="0">
-                <a:solidFill>
-                  <a:schemeClr val="tx1"/>
-                </a:solidFill>
-              </a:rPr>
-              <a:t>마지막</a:t>
-            </a:r>
-            <a:r>
-              <a:rPr lang="en-US" altLang="ko-KR" dirty="0">
-                <a:solidFill>
-                  <a:schemeClr val="tx1"/>
-                </a:solidFill>
-              </a:rPr>
-              <a:t> </a:t>
-            </a:r>
-            <a:r>
-              <a:rPr lang="ko-KR" altLang="en-US" dirty="0">
-                <a:solidFill>
-                  <a:schemeClr val="tx1"/>
-                </a:solidFill>
-              </a:rPr>
-              <a:t>가중치 </a:t>
-            </a:r>
-            <a:r>
-              <a:rPr lang="en-US" altLang="ko-KR" dirty="0">
-                <a:solidFill>
-                  <a:schemeClr val="tx1"/>
-                </a:solidFill>
-              </a:rPr>
-              <a:t>&lt; 1</a:t>
-            </a:r>
-            <a:r>
-              <a:rPr lang="ko-KR" altLang="en-US" dirty="0">
-                <a:solidFill>
-                  <a:schemeClr val="tx1"/>
-                </a:solidFill>
-              </a:rPr>
-              <a:t>이 아니면</a:t>
-            </a:r>
-          </a:p>
-        </p:txBody>
-      </p:sp>
-      <p:cxnSp>
-        <p:nvCxnSpPr>
-          <p:cNvPr id="90" name="직선 화살표 연결선 89">
-            <a:extLst>
-              <a:ext uri="{FF2B5EF4-FFF2-40B4-BE49-F238E27FC236}">
-                <a16:creationId xmlns:a16="http://schemas.microsoft.com/office/drawing/2014/main" id="{D423BCE5-C279-C8AC-3794-778D8B817A35}"/>
-              </a:ext>
-            </a:extLst>
-          </p:cNvPr>
-          <p:cNvCxnSpPr>
-            <a:stCxn id="33" idx="3"/>
-            <a:endCxn id="88" idx="1"/>
-          </p:cNvCxnSpPr>
-          <p:nvPr/>
-        </p:nvCxnSpPr>
-        <p:spPr>
-          <a:xfrm>
-            <a:off x="10053930" y="415010"/>
-            <a:ext cx="401632" cy="0"/>
-          </a:xfrm>
-          <a:prstGeom prst="straightConnector1">
-            <a:avLst/>
-          </a:prstGeom>
-          <a:ln>
-            <a:tailEnd type="triangle"/>
-          </a:ln>
-        </p:spPr>
-        <p:style>
-          <a:lnRef idx="2">
-            <a:schemeClr val="accent1"/>
-          </a:lnRef>
-          <a:fillRef idx="0">
-            <a:schemeClr val="accent1"/>
-          </a:fillRef>
-          <a:effectRef idx="1">
-            <a:schemeClr val="accent1"/>
-          </a:effectRef>
-          <a:fontRef idx="minor">
-            <a:schemeClr val="tx1"/>
-          </a:fontRef>
-        </p:style>
-      </p:cxnSp>
-      <p:sp>
-        <p:nvSpPr>
-          <p:cNvPr id="91" name="직사각형 90">
-            <a:extLst>
-              <a:ext uri="{FF2B5EF4-FFF2-40B4-BE49-F238E27FC236}">
-                <a16:creationId xmlns:a16="http://schemas.microsoft.com/office/drawing/2014/main" id="{8715790A-93A4-D6BB-BE6D-36A9A42ED23F}"/>
-              </a:ext>
-            </a:extLst>
-          </p:cNvPr>
-          <p:cNvSpPr/>
-          <p:nvPr/>
-        </p:nvSpPr>
-        <p:spPr>
-          <a:xfrm>
-            <a:off x="10455562" y="1249590"/>
-            <a:ext cx="2212258" cy="830015"/>
-          </a:xfrm>
-          <a:prstGeom prst="rect">
-            <a:avLst/>
-          </a:prstGeom>
-          <a:solidFill>
-            <a:schemeClr val="bg1"/>
-          </a:solidFill>
-        </p:spPr>
-        <p:style>
-          <a:lnRef idx="2">
-            <a:schemeClr val="accent1">
-              <a:shade val="15000"/>
-            </a:schemeClr>
-          </a:lnRef>
-          <a:fillRef idx="1">
-            <a:schemeClr val="accent1"/>
-          </a:fillRef>
-          <a:effectRef idx="0">
-            <a:schemeClr val="accent1"/>
-          </a:effectRef>
-          <a:fontRef idx="minor">
-            <a:schemeClr val="lt1"/>
-          </a:fontRef>
-        </p:style>
-        <p:txBody>
-          <a:bodyPr rtlCol="0" anchor="ctr"/>
-          <a:lstStyle/>
-          <a:p>
-            <a:pPr algn="ctr"/>
-            <a:r>
-              <a:rPr lang="ko-KR" altLang="en-US" dirty="0">
-                <a:solidFill>
-                  <a:schemeClr val="tx1"/>
-                </a:solidFill>
-              </a:rPr>
-              <a:t>모든 가중치 재입력</a:t>
-            </a:r>
-          </a:p>
-        </p:txBody>
-      </p:sp>
-      <p:cxnSp>
-        <p:nvCxnSpPr>
-          <p:cNvPr id="93" name="직선 화살표 연결선 92">
-            <a:extLst>
-              <a:ext uri="{FF2B5EF4-FFF2-40B4-BE49-F238E27FC236}">
-                <a16:creationId xmlns:a16="http://schemas.microsoft.com/office/drawing/2014/main" id="{498F0CBF-DF31-4CEC-4482-D72B0D081FBF}"/>
-              </a:ext>
-            </a:extLst>
-          </p:cNvPr>
-          <p:cNvCxnSpPr>
-            <a:cxnSpLocks/>
-            <a:stCxn id="88" idx="2"/>
-            <a:endCxn id="91" idx="0"/>
-          </p:cNvCxnSpPr>
-          <p:nvPr/>
-        </p:nvCxnSpPr>
-        <p:spPr>
-          <a:xfrm>
-            <a:off x="11561691" y="830017"/>
-            <a:ext cx="0" cy="419573"/>
-          </a:xfrm>
-          <a:prstGeom prst="straightConnector1">
-            <a:avLst/>
-          </a:prstGeom>
-          <a:ln>
-            <a:tailEnd type="triangle"/>
-          </a:ln>
-        </p:spPr>
-        <p:style>
-          <a:lnRef idx="2">
-            <a:schemeClr val="accent1"/>
-          </a:lnRef>
-          <a:fillRef idx="0">
-            <a:schemeClr val="accent1"/>
-          </a:fillRef>
-          <a:effectRef idx="1">
-            <a:schemeClr val="accent1"/>
-          </a:effectRef>
-          <a:fontRef idx="minor">
-            <a:schemeClr val="tx1"/>
-          </a:fontRef>
-        </p:style>
-      </p:cxnSp>
-      <p:cxnSp>
-        <p:nvCxnSpPr>
-          <p:cNvPr id="95" name="직선 화살표 연결선 94">
-            <a:extLst>
-              <a:ext uri="{FF2B5EF4-FFF2-40B4-BE49-F238E27FC236}">
-                <a16:creationId xmlns:a16="http://schemas.microsoft.com/office/drawing/2014/main" id="{CE26E3A0-F431-8D8D-68E7-7CE5F7EB21C8}"/>
-              </a:ext>
-            </a:extLst>
-          </p:cNvPr>
-          <p:cNvCxnSpPr>
-            <a:stCxn id="88" idx="3"/>
-            <a:endCxn id="74" idx="1"/>
-          </p:cNvCxnSpPr>
-          <p:nvPr/>
-        </p:nvCxnSpPr>
-        <p:spPr>
-          <a:xfrm flipV="1">
-            <a:off x="12667820" y="415008"/>
-            <a:ext cx="401632" cy="2"/>
-          </a:xfrm>
-          <a:prstGeom prst="straightConnector1">
-            <a:avLst/>
-          </a:prstGeom>
-          <a:ln>
-            <a:tailEnd type="triangle"/>
-          </a:ln>
-        </p:spPr>
-        <p:style>
-          <a:lnRef idx="2">
-            <a:schemeClr val="accent1"/>
-          </a:lnRef>
-          <a:fillRef idx="0">
-            <a:schemeClr val="accent1"/>
-          </a:fillRef>
-          <a:effectRef idx="1">
-            <a:schemeClr val="accent1"/>
-          </a:effectRef>
-          <a:fontRef idx="minor">
-            <a:schemeClr val="tx1"/>
-          </a:fontRef>
-        </p:style>
-      </p:cxnSp>
-      <p:cxnSp>
-        <p:nvCxnSpPr>
-          <p:cNvPr id="98" name="연결선: 꺾임 97">
-            <a:extLst>
-              <a:ext uri="{FF2B5EF4-FFF2-40B4-BE49-F238E27FC236}">
-                <a16:creationId xmlns:a16="http://schemas.microsoft.com/office/drawing/2014/main" id="{F877DB7A-28B7-3C2A-2B83-129A6F20A598}"/>
-              </a:ext>
-            </a:extLst>
-          </p:cNvPr>
-          <p:cNvCxnSpPr>
-            <a:stCxn id="91" idx="1"/>
-            <a:endCxn id="63" idx="1"/>
-          </p:cNvCxnSpPr>
-          <p:nvPr/>
-        </p:nvCxnSpPr>
-        <p:spPr>
-          <a:xfrm rot="10800000">
-            <a:off x="5227782" y="415010"/>
-            <a:ext cx="5227780" cy="1249588"/>
-          </a:xfrm>
-          <a:prstGeom prst="bentConnector3">
-            <a:avLst>
-              <a:gd name="adj1" fmla="val 104373"/>
-            </a:avLst>
-          </a:prstGeom>
-          <a:ln>
-            <a:tailEnd type="triangle"/>
-          </a:ln>
-        </p:spPr>
-        <p:style>
-          <a:lnRef idx="2">
-            <a:schemeClr val="accent1"/>
-          </a:lnRef>
-          <a:fillRef idx="0">
-            <a:schemeClr val="accent1"/>
-          </a:fillRef>
-          <a:effectRef idx="1">
-            <a:schemeClr val="accent1"/>
-          </a:effectRef>
-          <a:fontRef idx="minor">
-            <a:schemeClr val="tx1"/>
-          </a:fontRef>
-        </p:style>
-      </p:cxnSp>
-      <p:sp>
-        <p:nvSpPr>
-          <p:cNvPr id="2" name="직사각형 1">
-            <a:extLst>
-              <a:ext uri="{FF2B5EF4-FFF2-40B4-BE49-F238E27FC236}">
-                <a16:creationId xmlns:a16="http://schemas.microsoft.com/office/drawing/2014/main" id="{9E222F8B-AA70-5FCA-1E5A-BE8CD016348F}"/>
-              </a:ext>
-            </a:extLst>
-          </p:cNvPr>
-          <p:cNvSpPr/>
-          <p:nvPr/>
-        </p:nvSpPr>
-        <p:spPr>
-          <a:xfrm>
-            <a:off x="7841672" y="2490045"/>
-            <a:ext cx="2212258" cy="830015"/>
-          </a:xfrm>
-          <a:prstGeom prst="rect">
-            <a:avLst/>
-          </a:prstGeom>
-          <a:solidFill>
-            <a:schemeClr val="bg1"/>
-          </a:solidFill>
-        </p:spPr>
-        <p:style>
-          <a:lnRef idx="2">
-            <a:schemeClr val="accent1">
-              <a:shade val="15000"/>
-            </a:schemeClr>
-          </a:lnRef>
-          <a:fillRef idx="1">
-            <a:schemeClr val="accent1"/>
-          </a:fillRef>
-          <a:effectRef idx="0">
-            <a:schemeClr val="accent1"/>
-          </a:effectRef>
-          <a:fontRef idx="minor">
-            <a:schemeClr val="lt1"/>
-          </a:fontRef>
-        </p:style>
-        <p:txBody>
-          <a:bodyPr rtlCol="0" anchor="ctr"/>
-          <a:lstStyle/>
-          <a:p>
-            <a:pPr algn="ctr"/>
-            <a:r>
-              <a:rPr lang="ko-KR" altLang="en-US" dirty="0">
-                <a:solidFill>
-                  <a:schemeClr val="tx1"/>
-                </a:solidFill>
-              </a:rPr>
-              <a:t>이번 달 예측 수요 입력</a:t>
-            </a:r>
-          </a:p>
-        </p:txBody>
-      </p:sp>
-      <p:sp>
-        <p:nvSpPr>
-          <p:cNvPr id="3" name="다이아몬드 2">
-            <a:extLst>
-              <a:ext uri="{FF2B5EF4-FFF2-40B4-BE49-F238E27FC236}">
-                <a16:creationId xmlns:a16="http://schemas.microsoft.com/office/drawing/2014/main" id="{FA32F5CC-63CA-4E58-79FF-1EE4E1027BB2}"/>
-              </a:ext>
-            </a:extLst>
-          </p:cNvPr>
-          <p:cNvSpPr/>
-          <p:nvPr/>
-        </p:nvSpPr>
-        <p:spPr>
-          <a:xfrm>
-            <a:off x="10494594" y="2490046"/>
-            <a:ext cx="2212258" cy="830015"/>
-          </a:xfrm>
-          <a:prstGeom prst="diamond">
-            <a:avLst/>
-          </a:prstGeom>
-          <a:solidFill>
-            <a:schemeClr val="bg1"/>
-          </a:solidFill>
-        </p:spPr>
-        <p:style>
-          <a:lnRef idx="2">
-            <a:schemeClr val="accent1">
-              <a:shade val="15000"/>
-            </a:schemeClr>
-          </a:lnRef>
-          <a:fillRef idx="1">
-            <a:schemeClr val="accent1"/>
-          </a:fillRef>
-          <a:effectRef idx="0">
-            <a:schemeClr val="accent1"/>
-          </a:effectRef>
-          <a:fontRef idx="minor">
-            <a:schemeClr val="lt1"/>
-          </a:fontRef>
-        </p:style>
-        <p:txBody>
-          <a:bodyPr rtlCol="0" anchor="ctr"/>
-          <a:lstStyle/>
-          <a:p>
-            <a:pPr algn="ctr"/>
-            <a:r>
-              <a:rPr lang="ko-KR" altLang="en-US" dirty="0">
-                <a:solidFill>
-                  <a:schemeClr val="tx1"/>
-                </a:solidFill>
-              </a:rPr>
-              <a:t>문자열 </a:t>
-            </a:r>
-            <a:r>
-              <a:rPr lang="en-US" altLang="ko-KR" dirty="0">
-                <a:solidFill>
-                  <a:schemeClr val="tx1"/>
-                </a:solidFill>
-              </a:rPr>
-              <a:t>or</a:t>
-            </a:r>
-            <a:r>
-              <a:rPr lang="ko-KR" altLang="en-US" dirty="0">
-                <a:solidFill>
-                  <a:schemeClr val="tx1"/>
-                </a:solidFill>
-              </a:rPr>
-              <a:t> 음수 입력 시</a:t>
-            </a:r>
-          </a:p>
-        </p:txBody>
-      </p:sp>
-      <p:sp>
-        <p:nvSpPr>
-          <p:cNvPr id="4" name="직사각형 3">
-            <a:extLst>
-              <a:ext uri="{FF2B5EF4-FFF2-40B4-BE49-F238E27FC236}">
-                <a16:creationId xmlns:a16="http://schemas.microsoft.com/office/drawing/2014/main" id="{7E0B37FC-3216-80AE-DB73-87AE4BE3BEB2}"/>
-              </a:ext>
-            </a:extLst>
-          </p:cNvPr>
-          <p:cNvSpPr/>
-          <p:nvPr/>
-        </p:nvSpPr>
-        <p:spPr>
-          <a:xfrm>
-            <a:off x="10494594" y="3615921"/>
-            <a:ext cx="2212258" cy="830015"/>
-          </a:xfrm>
-          <a:prstGeom prst="rect">
-            <a:avLst/>
-          </a:prstGeom>
-          <a:solidFill>
-            <a:schemeClr val="bg1"/>
-          </a:solidFill>
-        </p:spPr>
-        <p:style>
-          <a:lnRef idx="2">
-            <a:schemeClr val="accent1">
-              <a:shade val="15000"/>
-            </a:schemeClr>
-          </a:lnRef>
-          <a:fillRef idx="1">
-            <a:schemeClr val="accent1"/>
-          </a:fillRef>
-          <a:effectRef idx="0">
-            <a:schemeClr val="accent1"/>
-          </a:effectRef>
-          <a:fontRef idx="minor">
-            <a:schemeClr val="lt1"/>
-          </a:fontRef>
-        </p:style>
-        <p:txBody>
-          <a:bodyPr rtlCol="0" anchor="ctr"/>
-          <a:lstStyle/>
-          <a:p>
-            <a:pPr algn="ctr"/>
-            <a:r>
-              <a:rPr lang="ko-KR" altLang="en-US" dirty="0">
-                <a:solidFill>
-                  <a:schemeClr val="tx1"/>
-                </a:solidFill>
-              </a:rPr>
-              <a:t>수요 재입력</a:t>
-            </a:r>
-          </a:p>
-        </p:txBody>
-      </p:sp>
-      <p:cxnSp>
-        <p:nvCxnSpPr>
-          <p:cNvPr id="7" name="직선 화살표 연결선 6">
-            <a:extLst>
-              <a:ext uri="{FF2B5EF4-FFF2-40B4-BE49-F238E27FC236}">
-                <a16:creationId xmlns:a16="http://schemas.microsoft.com/office/drawing/2014/main" id="{6D11859C-55B7-8A53-EDBB-3520E1E08149}"/>
-              </a:ext>
-            </a:extLst>
-          </p:cNvPr>
-          <p:cNvCxnSpPr>
-            <a:stCxn id="13" idx="3"/>
-            <a:endCxn id="2" idx="1"/>
-          </p:cNvCxnSpPr>
-          <p:nvPr/>
-        </p:nvCxnSpPr>
-        <p:spPr>
-          <a:xfrm>
-            <a:off x="7440040" y="2905053"/>
-            <a:ext cx="401632" cy="0"/>
-          </a:xfrm>
-          <a:prstGeom prst="straightConnector1">
-            <a:avLst/>
-          </a:prstGeom>
-          <a:ln>
-            <a:tailEnd type="triangle"/>
-          </a:ln>
-        </p:spPr>
-        <p:style>
-          <a:lnRef idx="2">
-            <a:schemeClr val="accent1"/>
-          </a:lnRef>
-          <a:fillRef idx="0">
-            <a:schemeClr val="accent1"/>
-          </a:fillRef>
-          <a:effectRef idx="1">
-            <a:schemeClr val="accent1"/>
-          </a:effectRef>
-          <a:fontRef idx="minor">
-            <a:schemeClr val="tx1"/>
-          </a:fontRef>
-        </p:style>
-      </p:cxnSp>
-      <p:cxnSp>
-        <p:nvCxnSpPr>
-          <p:cNvPr id="9" name="직선 화살표 연결선 8">
-            <a:extLst>
-              <a:ext uri="{FF2B5EF4-FFF2-40B4-BE49-F238E27FC236}">
-                <a16:creationId xmlns:a16="http://schemas.microsoft.com/office/drawing/2014/main" id="{5AF6EDFA-130D-4843-54F7-5067CC40BE91}"/>
-              </a:ext>
-            </a:extLst>
-          </p:cNvPr>
-          <p:cNvCxnSpPr>
-            <a:stCxn id="2" idx="3"/>
-            <a:endCxn id="3" idx="1"/>
-          </p:cNvCxnSpPr>
-          <p:nvPr/>
-        </p:nvCxnSpPr>
-        <p:spPr>
-          <a:xfrm>
-            <a:off x="10053930" y="2905053"/>
-            <a:ext cx="440664" cy="1"/>
-          </a:xfrm>
-          <a:prstGeom prst="straightConnector1">
-            <a:avLst/>
-          </a:prstGeom>
-          <a:ln>
-            <a:tailEnd type="triangle"/>
-          </a:ln>
-        </p:spPr>
-        <p:style>
-          <a:lnRef idx="2">
-            <a:schemeClr val="accent1"/>
-          </a:lnRef>
-          <a:fillRef idx="0">
-            <a:schemeClr val="accent1"/>
-          </a:fillRef>
-          <a:effectRef idx="1">
-            <a:schemeClr val="accent1"/>
-          </a:effectRef>
-          <a:fontRef idx="minor">
-            <a:schemeClr val="tx1"/>
-          </a:fontRef>
-        </p:style>
-      </p:cxnSp>
-      <p:cxnSp>
-        <p:nvCxnSpPr>
-          <p:cNvPr id="11" name="직선 화살표 연결선 10">
-            <a:extLst>
-              <a:ext uri="{FF2B5EF4-FFF2-40B4-BE49-F238E27FC236}">
-                <a16:creationId xmlns:a16="http://schemas.microsoft.com/office/drawing/2014/main" id="{B667DCE3-A7D1-5120-591C-461D46B8A671}"/>
-              </a:ext>
-            </a:extLst>
-          </p:cNvPr>
-          <p:cNvCxnSpPr>
-            <a:stCxn id="3" idx="3"/>
-            <a:endCxn id="35" idx="1"/>
-          </p:cNvCxnSpPr>
-          <p:nvPr/>
-        </p:nvCxnSpPr>
-        <p:spPr>
-          <a:xfrm>
-            <a:off x="12706852" y="2905054"/>
-            <a:ext cx="362600" cy="0"/>
-          </a:xfrm>
-          <a:prstGeom prst="straightConnector1">
-            <a:avLst/>
-          </a:prstGeom>
-          <a:ln>
-            <a:tailEnd type="triangle"/>
-          </a:ln>
-        </p:spPr>
-        <p:style>
-          <a:lnRef idx="2">
-            <a:schemeClr val="accent1"/>
-          </a:lnRef>
-          <a:fillRef idx="0">
-            <a:schemeClr val="accent1"/>
-          </a:fillRef>
-          <a:effectRef idx="1">
-            <a:schemeClr val="accent1"/>
-          </a:effectRef>
-          <a:fontRef idx="minor">
-            <a:schemeClr val="tx1"/>
-          </a:fontRef>
-        </p:style>
-      </p:cxnSp>
-      <p:cxnSp>
-        <p:nvCxnSpPr>
-          <p:cNvPr id="14" name="직선 화살표 연결선 13">
-            <a:extLst>
-              <a:ext uri="{FF2B5EF4-FFF2-40B4-BE49-F238E27FC236}">
-                <a16:creationId xmlns:a16="http://schemas.microsoft.com/office/drawing/2014/main" id="{1C3B05F7-E837-D4FE-C979-94EEFF48F54D}"/>
-              </a:ext>
-            </a:extLst>
-          </p:cNvPr>
-          <p:cNvCxnSpPr>
-            <a:stCxn id="3" idx="2"/>
-            <a:endCxn id="4" idx="0"/>
-          </p:cNvCxnSpPr>
-          <p:nvPr/>
-        </p:nvCxnSpPr>
-        <p:spPr>
-          <a:xfrm>
-            <a:off x="11600723" y="3320061"/>
-            <a:ext cx="0" cy="295860"/>
-          </a:xfrm>
-          <a:prstGeom prst="straightConnector1">
-            <a:avLst/>
-          </a:prstGeom>
-          <a:ln>
-            <a:tailEnd type="triangle"/>
-          </a:ln>
-        </p:spPr>
-        <p:style>
-          <a:lnRef idx="2">
-            <a:schemeClr val="accent1"/>
-          </a:lnRef>
-          <a:fillRef idx="0">
-            <a:schemeClr val="accent1"/>
-          </a:fillRef>
-          <a:effectRef idx="1">
-            <a:schemeClr val="accent1"/>
-          </a:effectRef>
-          <a:fontRef idx="minor">
-            <a:schemeClr val="tx1"/>
-          </a:fontRef>
-        </p:style>
-      </p:cxnSp>
-      <p:cxnSp>
-        <p:nvCxnSpPr>
-          <p:cNvPr id="17" name="연결선: 꺾임 16">
-            <a:extLst>
-              <a:ext uri="{FF2B5EF4-FFF2-40B4-BE49-F238E27FC236}">
-                <a16:creationId xmlns:a16="http://schemas.microsoft.com/office/drawing/2014/main" id="{EF09E3AA-5730-66E8-9C4E-CC9DEC3C7AE6}"/>
-              </a:ext>
-            </a:extLst>
-          </p:cNvPr>
-          <p:cNvCxnSpPr>
-            <a:stCxn id="4" idx="1"/>
-            <a:endCxn id="3" idx="1"/>
-          </p:cNvCxnSpPr>
-          <p:nvPr/>
-        </p:nvCxnSpPr>
-        <p:spPr>
-          <a:xfrm rot="10800000">
-            <a:off x="10494594" y="2905055"/>
-            <a:ext cx="12700" cy="1125875"/>
-          </a:xfrm>
-          <a:prstGeom prst="bentConnector3">
-            <a:avLst>
-              <a:gd name="adj1" fmla="val 1800000"/>
-            </a:avLst>
-          </a:prstGeom>
-          <a:ln>
-            <a:tailEnd type="triangle"/>
-          </a:ln>
-        </p:spPr>
-        <p:style>
-          <a:lnRef idx="2">
-            <a:schemeClr val="accent1"/>
-          </a:lnRef>
-          <a:fillRef idx="0">
-            <a:schemeClr val="accent1"/>
-          </a:fillRef>
-          <a:effectRef idx="1">
-            <a:schemeClr val="accent1"/>
-          </a:effectRef>
-          <a:fontRef idx="minor">
-            <a:schemeClr val="tx1"/>
-          </a:fontRef>
-        </p:style>
-      </p:cxnSp>
-      <p:sp>
-        <p:nvSpPr>
-          <p:cNvPr id="25" name="TextBox 24">
-            <a:extLst>
-              <a:ext uri="{FF2B5EF4-FFF2-40B4-BE49-F238E27FC236}">
-                <a16:creationId xmlns:a16="http://schemas.microsoft.com/office/drawing/2014/main" id="{C739044C-A961-3EBE-5161-D9D72B8D2DA6}"/>
-              </a:ext>
-            </a:extLst>
-          </p:cNvPr>
-          <p:cNvSpPr txBox="1"/>
-          <p:nvPr/>
-        </p:nvSpPr>
-        <p:spPr>
-          <a:xfrm>
-            <a:off x="7719598" y="3352328"/>
-            <a:ext cx="2554664" cy="646331"/>
-          </a:xfrm>
-          <a:prstGeom prst="rect">
-            <a:avLst/>
-          </a:prstGeom>
-          <a:noFill/>
-        </p:spPr>
-        <p:txBody>
-          <a:bodyPr wrap="square" rtlCol="0">
-            <a:spAutoFit/>
-          </a:bodyPr>
-          <a:lstStyle/>
-          <a:p>
-            <a:r>
-              <a:rPr lang="en-US" altLang="ko-KR" dirty="0">
-                <a:solidFill>
-                  <a:srgbClr val="FF0000"/>
-                </a:solidFill>
-              </a:rPr>
-              <a:t>※ </a:t>
-            </a:r>
-            <a:r>
-              <a:rPr lang="ko-KR" altLang="en-US" dirty="0">
-                <a:solidFill>
-                  <a:srgbClr val="FF0000"/>
-                </a:solidFill>
-              </a:rPr>
-              <a:t>초기에 입력한 실적 수요와는 다른 값임</a:t>
-            </a:r>
-          </a:p>
-        </p:txBody>
-      </p:sp>
-    </p:spTree>
-    <p:extLst>
-      <p:ext uri="{BB962C8B-B14F-4D97-AF65-F5344CB8AC3E}">
-        <p14:creationId xmlns:p14="http://schemas.microsoft.com/office/powerpoint/2010/main" val="1569303193"/>
+        <p14:creationId xmlns:p14="http://schemas.microsoft.com/office/powerpoint/2010/main" val="4147161442"/>
       </p:ext>
     </p:extLst>
   </p:cSld>
